--- a/Documentation/présentation.pptx
+++ b/Documentation/présentation.pptx
@@ -6,11 +6,15 @@
   </p:sldMasterIdLst>
   <p:sldIdLst>
     <p:sldId id="256" r:id="rId2"/>
-    <p:sldId id="258" r:id="rId3"/>
-    <p:sldId id="257" r:id="rId4"/>
-    <p:sldId id="260" r:id="rId5"/>
-    <p:sldId id="261" r:id="rId6"/>
-    <p:sldId id="259" r:id="rId7"/>
+    <p:sldId id="262" r:id="rId3"/>
+    <p:sldId id="258" r:id="rId4"/>
+    <p:sldId id="257" r:id="rId5"/>
+    <p:sldId id="260" r:id="rId6"/>
+    <p:sldId id="263" r:id="rId7"/>
+    <p:sldId id="264" r:id="rId8"/>
+    <p:sldId id="261" r:id="rId9"/>
+    <p:sldId id="265" r:id="rId10"/>
+    <p:sldId id="259" r:id="rId11"/>
   </p:sldIdLst>
   <p:sldSz cx="12192000" cy="6858000"/>
   <p:notesSz cx="6858000" cy="9144000"/>
@@ -109,6 +113,11 @@
       </a:defRPr>
     </a:lvl9pPr>
   </p:defaultTextStyle>
+  <p:extLst>
+    <p:ext uri="{EFAFB233-063F-42B5-8137-9DF3F51BA10A}">
+      <p15:sldGuideLst xmlns:p15="http://schemas.microsoft.com/office/powerpoint/2012/main"/>
+    </p:ext>
+  </p:extLst>
 </p:presentation>
 </file>
 
@@ -259,7 +268,7 @@
           <a:p>
             <a:fld id="{F314E2E7-D64F-144F-B0DC-8951CC57A7B9}" type="datetimeFigureOut">
               <a:rPr lang="fr-FR" smtClean="0"/>
-              <a:t>12/06/2018</a:t>
+              <a:t>13/06/2018</a:t>
             </a:fld>
             <a:endParaRPr lang="fr-FR"/>
           </a:p>
@@ -432,7 +441,7 @@
           <a:p>
             <a:fld id="{F314E2E7-D64F-144F-B0DC-8951CC57A7B9}" type="datetimeFigureOut">
               <a:rPr lang="fr-FR" smtClean="0"/>
-              <a:t>12/06/2018</a:t>
+              <a:t>13/06/2018</a:t>
             </a:fld>
             <a:endParaRPr lang="fr-FR"/>
           </a:p>
@@ -615,7 +624,7 @@
           <a:p>
             <a:fld id="{F314E2E7-D64F-144F-B0DC-8951CC57A7B9}" type="datetimeFigureOut">
               <a:rPr lang="fr-FR" smtClean="0"/>
-              <a:t>12/06/2018</a:t>
+              <a:t>13/06/2018</a:t>
             </a:fld>
             <a:endParaRPr lang="fr-FR"/>
           </a:p>
@@ -788,7 +797,7 @@
           <a:p>
             <a:fld id="{F314E2E7-D64F-144F-B0DC-8951CC57A7B9}" type="datetimeFigureOut">
               <a:rPr lang="fr-FR" smtClean="0"/>
-              <a:t>12/06/2018</a:t>
+              <a:t>13/06/2018</a:t>
             </a:fld>
             <a:endParaRPr lang="fr-FR"/>
           </a:p>
@@ -1066,7 +1075,7 @@
           <a:p>
             <a:fld id="{F314E2E7-D64F-144F-B0DC-8951CC57A7B9}" type="datetimeFigureOut">
               <a:rPr lang="fr-FR" smtClean="0"/>
-              <a:t>12/06/2018</a:t>
+              <a:t>13/06/2018</a:t>
             </a:fld>
             <a:endParaRPr lang="fr-FR"/>
           </a:p>
@@ -1281,7 +1290,7 @@
           <a:p>
             <a:fld id="{F314E2E7-D64F-144F-B0DC-8951CC57A7B9}" type="datetimeFigureOut">
               <a:rPr lang="fr-FR" smtClean="0"/>
-              <a:t>12/06/2018</a:t>
+              <a:t>13/06/2018</a:t>
             </a:fld>
             <a:endParaRPr lang="fr-FR"/>
           </a:p>
@@ -1649,7 +1658,7 @@
           <a:p>
             <a:fld id="{F314E2E7-D64F-144F-B0DC-8951CC57A7B9}" type="datetimeFigureOut">
               <a:rPr lang="fr-FR" smtClean="0"/>
-              <a:t>12/06/2018</a:t>
+              <a:t>13/06/2018</a:t>
             </a:fld>
             <a:endParaRPr lang="fr-FR"/>
           </a:p>
@@ -1790,7 +1799,7 @@
           <a:p>
             <a:fld id="{F314E2E7-D64F-144F-B0DC-8951CC57A7B9}" type="datetimeFigureOut">
               <a:rPr lang="fr-FR" smtClean="0"/>
-              <a:t>12/06/2018</a:t>
+              <a:t>13/06/2018</a:t>
             </a:fld>
             <a:endParaRPr lang="fr-FR"/>
           </a:p>
@@ -1903,7 +1912,7 @@
           <a:p>
             <a:fld id="{F314E2E7-D64F-144F-B0DC-8951CC57A7B9}" type="datetimeFigureOut">
               <a:rPr lang="fr-FR" smtClean="0"/>
-              <a:t>12/06/2018</a:t>
+              <a:t>13/06/2018</a:t>
             </a:fld>
             <a:endParaRPr lang="fr-FR"/>
           </a:p>
@@ -2192,7 +2201,7 @@
           <a:p>
             <a:fld id="{F314E2E7-D64F-144F-B0DC-8951CC57A7B9}" type="datetimeFigureOut">
               <a:rPr lang="fr-FR" smtClean="0"/>
-              <a:t>12/06/2018</a:t>
+              <a:t>13/06/2018</a:t>
             </a:fld>
             <a:endParaRPr lang="fr-FR"/>
           </a:p>
@@ -2483,7 +2492,7 @@
           <a:p>
             <a:fld id="{F314E2E7-D64F-144F-B0DC-8951CC57A7B9}" type="datetimeFigureOut">
               <a:rPr lang="fr-FR" smtClean="0"/>
-              <a:t>12/06/2018</a:t>
+              <a:t>13/06/2018</a:t>
             </a:fld>
             <a:endParaRPr lang="fr-FR"/>
           </a:p>
@@ -2699,7 +2708,7 @@
           <a:p>
             <a:fld id="{F314E2E7-D64F-144F-B0DC-8951CC57A7B9}" type="datetimeFigureOut">
               <a:rPr lang="fr-FR" smtClean="0"/>
-              <a:t>12/06/2018</a:t>
+              <a:t>13/06/2018</a:t>
             </a:fld>
             <a:endParaRPr lang="fr-FR"/>
           </a:p>
@@ -3137,7 +3146,10 @@
           <a:bodyPr/>
           <a:lstStyle/>
           <a:p>
-            <a:endParaRPr lang="fr-FR"/>
+            <a:r>
+              <a:rPr lang="fr-FR" dirty="0"/>
+              <a:t>TPI</a:t>
+            </a:r>
           </a:p>
         </p:txBody>
       </p:sp>
@@ -3162,7 +3174,27 @@
           <a:bodyPr/>
           <a:lstStyle/>
           <a:p>
-            <a:endParaRPr lang="fr-FR"/>
+            <a:r>
+              <a:rPr lang="fr-FR" dirty="0"/>
+              <a:t>Gestion de cave</a:t>
+            </a:r>
+          </a:p>
+          <a:p>
+            <a:r>
+              <a:rPr lang="fr-FR" sz="1800" dirty="0"/>
+              <a:t>Jérémy </a:t>
+            </a:r>
+            <a:r>
+              <a:rPr lang="fr-FR" sz="1800" dirty="0" err="1"/>
+              <a:t>Gfeller</a:t>
+            </a:r>
+            <a:endParaRPr lang="fr-FR" sz="1800" dirty="0"/>
+          </a:p>
+          <a:p>
+            <a:r>
+              <a:rPr lang="fr-FR" sz="1800" dirty="0"/>
+              <a:t>SI-C4a</a:t>
+            </a:r>
           </a:p>
         </p:txBody>
       </p:sp>
@@ -3170,6 +3202,101 @@
     <p:extLst>
       <p:ext uri="{BB962C8B-B14F-4D97-AF65-F5344CB8AC3E}">
         <p14:creationId xmlns:p14="http://schemas.microsoft.com/office/powerpoint/2010/main" val="4268277390"/>
+      </p:ext>
+    </p:extLst>
+  </p:cSld>
+  <p:clrMapOvr>
+    <a:masterClrMapping/>
+  </p:clrMapOvr>
+</p:sld>
+</file>
+
+<file path=ppt/slides/slide10.xml><?xml version="1.0" encoding="utf-8"?>
+<p:sld xmlns:a="http://schemas.openxmlformats.org/drawingml/2006/main" xmlns:r="http://schemas.openxmlformats.org/officeDocument/2006/relationships" xmlns:p="http://schemas.openxmlformats.org/presentationml/2006/main">
+  <p:cSld>
+    <p:spTree>
+      <p:nvGrpSpPr>
+        <p:cNvPr id="1" name=""/>
+        <p:cNvGrpSpPr/>
+        <p:nvPr/>
+      </p:nvGrpSpPr>
+      <p:grpSpPr>
+        <a:xfrm>
+          <a:off x="0" y="0"/>
+          <a:ext cx="0" cy="0"/>
+          <a:chOff x="0" y="0"/>
+          <a:chExt cx="0" cy="0"/>
+        </a:xfrm>
+      </p:grpSpPr>
+      <p:sp>
+        <p:nvSpPr>
+          <p:cNvPr id="2" name="Titre 1">
+            <a:extLst>
+              <a:ext uri="{FF2B5EF4-FFF2-40B4-BE49-F238E27FC236}">
+                <a16:creationId xmlns:a16="http://schemas.microsoft.com/office/drawing/2014/main" id="{113484F7-246E-4B4F-8622-DDF8EEDBD389}"/>
+              </a:ext>
+            </a:extLst>
+          </p:cNvPr>
+          <p:cNvSpPr>
+            <a:spLocks noGrp="1"/>
+          </p:cNvSpPr>
+          <p:nvPr>
+            <p:ph type="title"/>
+          </p:nvPr>
+        </p:nvSpPr>
+        <p:spPr/>
+        <p:txBody>
+          <a:bodyPr/>
+          <a:lstStyle/>
+          <a:p>
+            <a:r>
+              <a:rPr lang="fr-FR" dirty="0"/>
+              <a:t>Difficultés rencontrées</a:t>
+            </a:r>
+          </a:p>
+        </p:txBody>
+      </p:sp>
+      <p:sp>
+        <p:nvSpPr>
+          <p:cNvPr id="3" name="Espace réservé du contenu 2">
+            <a:extLst>
+              <a:ext uri="{FF2B5EF4-FFF2-40B4-BE49-F238E27FC236}">
+                <a16:creationId xmlns:a16="http://schemas.microsoft.com/office/drawing/2014/main" id="{24DAE48B-6DF2-5548-9109-AE2164F4DA9B}"/>
+              </a:ext>
+            </a:extLst>
+          </p:cNvPr>
+          <p:cNvSpPr>
+            <a:spLocks noGrp="1"/>
+          </p:cNvSpPr>
+          <p:nvPr>
+            <p:ph idx="1"/>
+          </p:nvPr>
+        </p:nvSpPr>
+        <p:spPr/>
+        <p:txBody>
+          <a:bodyPr/>
+          <a:lstStyle/>
+          <a:p>
+            <a:r>
+              <a:rPr lang="fr-FR" dirty="0"/>
+              <a:t>Gros changement dans la base de données le vendredi avant de rendre le TPI</a:t>
+            </a:r>
+          </a:p>
+          <a:p>
+            <a:r>
+              <a:rPr lang="fr-FR" dirty="0"/>
+              <a:t>Refaire la moitié des fonctions sur le site ainsi que sur l’application mobile </a:t>
+            </a:r>
+          </a:p>
+          <a:p>
+            <a:endParaRPr lang="fr-FR" dirty="0"/>
+          </a:p>
+        </p:txBody>
+      </p:sp>
+    </p:spTree>
+    <p:extLst>
+      <p:ext uri="{BB962C8B-B14F-4D97-AF65-F5344CB8AC3E}">
+        <p14:creationId xmlns:p14="http://schemas.microsoft.com/office/powerpoint/2010/main" val="3377292038"/>
       </p:ext>
     </p:extLst>
   </p:cSld>
@@ -3201,7 +3328,7 @@
           <p:cNvPr id="2" name="Titre 1">
             <a:extLst>
               <a:ext uri="{FF2B5EF4-FFF2-40B4-BE49-F238E27FC236}">
-                <a16:creationId xmlns:a16="http://schemas.microsoft.com/office/drawing/2014/main" id="{8291E58B-1C17-7F4A-812A-153FC31E9A54}"/>
+                <a16:creationId xmlns:a16="http://schemas.microsoft.com/office/drawing/2014/main" id="{152591FC-1002-5842-83F0-7D8B0E5A9D14}"/>
               </a:ext>
             </a:extLst>
           </p:cNvPr>
@@ -3219,7 +3346,7 @@
           <a:p>
             <a:r>
               <a:rPr lang="fr-FR" dirty="0"/>
-              <a:t>Mise en production </a:t>
+              <a:t>Introduction</a:t>
             </a:r>
           </a:p>
         </p:txBody>
@@ -3229,7 +3356,7 @@
           <p:cNvPr id="3" name="Espace réservé du contenu 2">
             <a:extLst>
               <a:ext uri="{FF2B5EF4-FFF2-40B4-BE49-F238E27FC236}">
-                <a16:creationId xmlns:a16="http://schemas.microsoft.com/office/drawing/2014/main" id="{62C846C1-C67B-364F-B695-0D4C539580A7}"/>
+                <a16:creationId xmlns:a16="http://schemas.microsoft.com/office/drawing/2014/main" id="{1939E1C6-9CE1-3649-902D-F9F092FC4373}"/>
               </a:ext>
             </a:extLst>
           </p:cNvPr>
@@ -3247,29 +3374,29 @@
           <a:p>
             <a:r>
               <a:rPr lang="fr-FR" dirty="0"/>
-              <a:t>Ce qui était convenu avec le client c’est qu’on ne devait pas gérer les logins sur le site, vu qu’ils ont déjà un système de login sur le site. </a:t>
+              <a:t>M. Louis Pache, aide au CPNV</a:t>
             </a:r>
           </a:p>
           <a:p>
             <a:r>
               <a:rPr lang="fr-FR" dirty="0"/>
-              <a:t>Vu que le webmaster n’était pas au courant de ça j’ai créé une protection avec un fichier .</a:t>
-            </a:r>
-            <a:r>
-              <a:rPr lang="fr-FR" dirty="0" err="1"/>
-              <a:t>htaccess</a:t>
-            </a:r>
+              <a:t>Gestion de cave </a:t>
+            </a:r>
+          </a:p>
+          <a:p>
             <a:r>
               <a:rPr lang="fr-FR" dirty="0"/>
-              <a:t> qui demande un login + </a:t>
-            </a:r>
-            <a:r>
-              <a:rPr lang="fr-FR" dirty="0" err="1"/>
-              <a:t>mdp</a:t>
-            </a:r>
+              <a:t>Cercle d’Yverdon </a:t>
+            </a:r>
+          </a:p>
+          <a:p>
             <a:r>
               <a:rPr lang="fr-FR" dirty="0"/>
-              <a:t> lorsqu’on arrive sur ma partie du site.</a:t>
+              <a:t>Pré-TPI, site + </a:t>
+            </a:r>
+            <a:r>
+              <a:rPr lang="fr-FR"/>
+              <a:t>application mobile</a:t>
             </a:r>
           </a:p>
         </p:txBody>
@@ -3277,7 +3404,7 @@
     </p:spTree>
     <p:extLst>
       <p:ext uri="{BB962C8B-B14F-4D97-AF65-F5344CB8AC3E}">
-        <p14:creationId xmlns:p14="http://schemas.microsoft.com/office/powerpoint/2010/main" val="1776768230"/>
+        <p14:creationId xmlns:p14="http://schemas.microsoft.com/office/powerpoint/2010/main" val="1662323745"/>
       </p:ext>
     </p:extLst>
   </p:cSld>
@@ -3309,7 +3436,7 @@
           <p:cNvPr id="2" name="Titre 1">
             <a:extLst>
               <a:ext uri="{FF2B5EF4-FFF2-40B4-BE49-F238E27FC236}">
-                <a16:creationId xmlns:a16="http://schemas.microsoft.com/office/drawing/2014/main" id="{20C5F73D-F677-7341-8DE8-52EF740466AA}"/>
+                <a16:creationId xmlns:a16="http://schemas.microsoft.com/office/drawing/2014/main" id="{8291E58B-1C17-7F4A-812A-153FC31E9A54}"/>
               </a:ext>
             </a:extLst>
           </p:cNvPr>
@@ -3337,7 +3464,7 @@
           <p:cNvPr id="3" name="Espace réservé du contenu 2">
             <a:extLst>
               <a:ext uri="{FF2B5EF4-FFF2-40B4-BE49-F238E27FC236}">
-                <a16:creationId xmlns:a16="http://schemas.microsoft.com/office/drawing/2014/main" id="{E76336E2-2F50-3E45-B944-ABFC072AD902}"/>
+                <a16:creationId xmlns:a16="http://schemas.microsoft.com/office/drawing/2014/main" id="{62C846C1-C67B-364F-B695-0D4C539580A7}"/>
               </a:ext>
             </a:extLst>
           </p:cNvPr>
@@ -3355,114 +3482,21 @@
           <a:p>
             <a:r>
               <a:rPr lang="fr-FR" dirty="0"/>
-              <a:t>Problème avec le fichier .</a:t>
+              <a:t>Ce qui était convenu avec le client c’est qu’on ne devait pas gérer les logins sur le site, vu qu’ils ont déjà un système de login sur le site. </a:t>
+            </a:r>
+          </a:p>
+          <a:p>
+            <a:r>
+              <a:rPr lang="fr-FR" dirty="0"/>
+              <a:t>Vu que le webmaster n’était pas au courant de ça j’ai créé une protection avec un fichier .</a:t>
             </a:r>
             <a:r>
               <a:rPr lang="fr-FR" dirty="0" err="1"/>
               <a:t>htaccess</a:t>
             </a:r>
-            <a:endParaRPr lang="fr-FR" dirty="0"/>
-          </a:p>
-          <a:p>
             <a:r>
               <a:rPr lang="fr-FR" dirty="0"/>
-              <a:t>J’ai mis les chemins comme on nous avait appris en cours d’apache</a:t>
-            </a:r>
-          </a:p>
-          <a:p>
-            <a:r>
-              <a:rPr lang="fr-FR" dirty="0"/>
-              <a:t>En regardant la documentation sur </a:t>
-            </a:r>
-            <a:r>
-              <a:rPr lang="fr-FR" dirty="0" err="1"/>
-              <a:t>infomaniak</a:t>
-            </a:r>
-            <a:r>
-              <a:rPr lang="fr-FR" dirty="0"/>
-              <a:t> j’ai vu qu’il fallait mettre le chemin absolu vers le fichier où sont stockés les logins </a:t>
-            </a:r>
-          </a:p>
-          <a:p>
-            <a:r>
-              <a:rPr lang="fr-FR" dirty="0"/>
-              <a:t>J’ai dû connaître le chemin absolu de mon dossier avec une fonction </a:t>
-            </a:r>
-            <a:r>
-              <a:rPr lang="fr-FR" dirty="0" err="1"/>
-              <a:t>php</a:t>
-            </a:r>
-            <a:r>
-              <a:rPr lang="fr-FR" dirty="0"/>
-              <a:t> : </a:t>
-            </a:r>
-            <a:r>
-              <a:rPr lang="fr-CH" dirty="0" err="1"/>
-              <a:t>echo</a:t>
-            </a:r>
-            <a:r>
-              <a:rPr lang="fr-CH" dirty="0"/>
-              <a:t> </a:t>
-            </a:r>
-            <a:r>
-              <a:rPr lang="fr-CH" dirty="0" err="1"/>
-              <a:t>realpath</a:t>
-            </a:r>
-            <a:r>
-              <a:rPr lang="fr-CH" dirty="0"/>
-              <a:t>('</a:t>
-            </a:r>
-            <a:r>
-              <a:rPr lang="fr-CH" dirty="0" err="1"/>
-              <a:t>path.php</a:t>
-            </a:r>
-            <a:r>
-              <a:rPr lang="fr-CH" dirty="0"/>
-              <a:t>’);</a:t>
-            </a:r>
-          </a:p>
-          <a:p>
-            <a:r>
-              <a:rPr lang="fr-FR" dirty="0"/>
-              <a:t>Ensuite j’ai dû créer le mot de passe crypté : </a:t>
-            </a:r>
-            <a:r>
-              <a:rPr lang="fr-CH" dirty="0" err="1"/>
-              <a:t>echo</a:t>
-            </a:r>
-            <a:r>
-              <a:rPr lang="fr-CH" dirty="0"/>
-              <a:t> </a:t>
-            </a:r>
-            <a:r>
-              <a:rPr lang="fr-CH" dirty="0" err="1"/>
-              <a:t>crypt</a:t>
-            </a:r>
-            <a:r>
-              <a:rPr lang="fr-CH" dirty="0"/>
-              <a:t>('</a:t>
-            </a:r>
-            <a:r>
-              <a:rPr lang="fr-CH" dirty="0" err="1"/>
-              <a:t>mdp</a:t>
-            </a:r>
-            <a:r>
-              <a:rPr lang="fr-CH" dirty="0"/>
-              <a:t>’);</a:t>
-            </a:r>
-          </a:p>
-          <a:p>
-            <a:r>
-              <a:rPr lang="fr-FR" dirty="0"/>
-              <a:t>Créer le fichier .</a:t>
-            </a:r>
-            <a:r>
-              <a:rPr lang="fr-FR" dirty="0" err="1"/>
-              <a:t>htaccess</a:t>
-            </a:r>
-            <a:r>
-              <a:rPr lang="fr-FR" dirty="0"/>
-              <a:t> avec le chemin absolu sur mon fichier des </a:t>
+              <a:t> qui demande un login + </a:t>
             </a:r>
             <a:r>
               <a:rPr lang="fr-FR" dirty="0" err="1"/>
@@ -3470,18 +3504,15 @@
             </a:r>
             <a:r>
               <a:rPr lang="fr-FR" dirty="0"/>
-              <a:t> + login </a:t>
-            </a:r>
-          </a:p>
-          <a:p>
-            <a:endParaRPr lang="fr-FR" dirty="0"/>
+              <a:t> lorsqu’on arrive sur ma partie du site.</a:t>
+            </a:r>
           </a:p>
         </p:txBody>
       </p:sp>
     </p:spTree>
     <p:extLst>
       <p:ext uri="{BB962C8B-B14F-4D97-AF65-F5344CB8AC3E}">
-        <p14:creationId xmlns:p14="http://schemas.microsoft.com/office/powerpoint/2010/main" val="3329647417"/>
+        <p14:creationId xmlns:p14="http://schemas.microsoft.com/office/powerpoint/2010/main" val="1776768230"/>
       </p:ext>
     </p:extLst>
   </p:cSld>
@@ -3513,7 +3544,7 @@
           <p:cNvPr id="2" name="Titre 1">
             <a:extLst>
               <a:ext uri="{FF2B5EF4-FFF2-40B4-BE49-F238E27FC236}">
-                <a16:creationId xmlns:a16="http://schemas.microsoft.com/office/drawing/2014/main" id="{DFB0DF4F-35E7-324B-B65F-FC5443FE5A58}"/>
+                <a16:creationId xmlns:a16="http://schemas.microsoft.com/office/drawing/2014/main" id="{20C5F73D-F677-7341-8DE8-52EF740466AA}"/>
               </a:ext>
             </a:extLst>
           </p:cNvPr>
@@ -3531,7 +3562,7 @@
           <a:p>
             <a:r>
               <a:rPr lang="fr-FR" dirty="0"/>
-              <a:t>Entretien avec le client </a:t>
+              <a:t>Mise en production </a:t>
             </a:r>
           </a:p>
         </p:txBody>
@@ -3541,7 +3572,7 @@
           <p:cNvPr id="3" name="Espace réservé du contenu 2">
             <a:extLst>
               <a:ext uri="{FF2B5EF4-FFF2-40B4-BE49-F238E27FC236}">
-                <a16:creationId xmlns:a16="http://schemas.microsoft.com/office/drawing/2014/main" id="{15477CC0-CA05-F344-93E7-4BEDFEF7C8BE}"/>
+                <a16:creationId xmlns:a16="http://schemas.microsoft.com/office/drawing/2014/main" id="{E76336E2-2F50-3E45-B944-ABFC072AD902}"/>
               </a:ext>
             </a:extLst>
           </p:cNvPr>
@@ -3557,14 +3588,127 @@
           <a:bodyPr/>
           <a:lstStyle/>
           <a:p>
-            <a:endParaRPr lang="fr-FR"/>
+            <a:r>
+              <a:rPr lang="fr-FR" dirty="0"/>
+              <a:t>Problème avec le fichier .</a:t>
+            </a:r>
+            <a:r>
+              <a:rPr lang="fr-FR" dirty="0" err="1"/>
+              <a:t>htaccess</a:t>
+            </a:r>
+            <a:endParaRPr lang="fr-FR" dirty="0"/>
+          </a:p>
+          <a:p>
+            <a:r>
+              <a:rPr lang="fr-FR" dirty="0"/>
+              <a:t>J’ai mis les chemins comme on nous avait appris en cours d’apache</a:t>
+            </a:r>
+          </a:p>
+          <a:p>
+            <a:r>
+              <a:rPr lang="fr-FR" dirty="0"/>
+              <a:t>En regardant la documentation sur Infomaniak j’ai vu qu’il fallait mettre le chemin absolu vers le fichier où sont stockés les logins </a:t>
+            </a:r>
+          </a:p>
+          <a:p>
+            <a:r>
+              <a:rPr lang="fr-FR" dirty="0"/>
+              <a:t>J’ai dû connaître le chemin absolu de mon dossier avec une fonction </a:t>
+            </a:r>
+            <a:r>
+              <a:rPr lang="fr-FR" dirty="0" err="1"/>
+              <a:t>php</a:t>
+            </a:r>
+            <a:r>
+              <a:rPr lang="fr-FR" dirty="0"/>
+              <a:t> : </a:t>
+            </a:r>
+            <a:r>
+              <a:rPr lang="fr-CH" dirty="0" err="1"/>
+              <a:t>echo</a:t>
+            </a:r>
+            <a:r>
+              <a:rPr lang="fr-CH" dirty="0"/>
+              <a:t> </a:t>
+            </a:r>
+            <a:r>
+              <a:rPr lang="fr-CH" dirty="0" err="1"/>
+              <a:t>realpath</a:t>
+            </a:r>
+            <a:r>
+              <a:rPr lang="fr-CH" dirty="0"/>
+              <a:t>('</a:t>
+            </a:r>
+            <a:r>
+              <a:rPr lang="fr-CH" dirty="0" err="1"/>
+              <a:t>path.php</a:t>
+            </a:r>
+            <a:r>
+              <a:rPr lang="fr-CH" dirty="0"/>
+              <a:t>’);</a:t>
+            </a:r>
+          </a:p>
+          <a:p>
+            <a:r>
+              <a:rPr lang="fr-FR" dirty="0"/>
+              <a:t>Ensuite j’ai dû créer le mot de passe crypté : </a:t>
+            </a:r>
+            <a:r>
+              <a:rPr lang="fr-CH" dirty="0" err="1"/>
+              <a:t>echo</a:t>
+            </a:r>
+            <a:r>
+              <a:rPr lang="fr-CH" dirty="0"/>
+              <a:t> </a:t>
+            </a:r>
+            <a:r>
+              <a:rPr lang="fr-CH" dirty="0" err="1"/>
+              <a:t>crypt</a:t>
+            </a:r>
+            <a:r>
+              <a:rPr lang="fr-CH" dirty="0"/>
+              <a:t>('</a:t>
+            </a:r>
+            <a:r>
+              <a:rPr lang="fr-CH" dirty="0" err="1"/>
+              <a:t>mdp</a:t>
+            </a:r>
+            <a:r>
+              <a:rPr lang="fr-CH" dirty="0"/>
+              <a:t>’);</a:t>
+            </a:r>
+          </a:p>
+          <a:p>
+            <a:r>
+              <a:rPr lang="fr-FR" dirty="0"/>
+              <a:t>Créer le fichier .</a:t>
+            </a:r>
+            <a:r>
+              <a:rPr lang="fr-FR" dirty="0" err="1"/>
+              <a:t>htaccess</a:t>
+            </a:r>
+            <a:r>
+              <a:rPr lang="fr-FR" dirty="0"/>
+              <a:t> avec le chemin absolu sur mon fichier des </a:t>
+            </a:r>
+            <a:r>
+              <a:rPr lang="fr-FR" dirty="0" err="1"/>
+              <a:t>mdp</a:t>
+            </a:r>
+            <a:r>
+              <a:rPr lang="fr-FR" dirty="0"/>
+              <a:t> + login </a:t>
+            </a:r>
+          </a:p>
+          <a:p>
+            <a:endParaRPr lang="fr-FR" dirty="0"/>
           </a:p>
         </p:txBody>
       </p:sp>
     </p:spTree>
     <p:extLst>
       <p:ext uri="{BB962C8B-B14F-4D97-AF65-F5344CB8AC3E}">
-        <p14:creationId xmlns:p14="http://schemas.microsoft.com/office/powerpoint/2010/main" val="2737234727"/>
+        <p14:creationId xmlns:p14="http://schemas.microsoft.com/office/powerpoint/2010/main" val="3329647417"/>
       </p:ext>
     </p:extLst>
   </p:cSld>
@@ -3596,7 +3740,7 @@
           <p:cNvPr id="2" name="Titre 1">
             <a:extLst>
               <a:ext uri="{FF2B5EF4-FFF2-40B4-BE49-F238E27FC236}">
-                <a16:creationId xmlns:a16="http://schemas.microsoft.com/office/drawing/2014/main" id="{D8F020C9-4433-C74B-9794-2999CDEF454A}"/>
+                <a16:creationId xmlns:a16="http://schemas.microsoft.com/office/drawing/2014/main" id="{DFB0DF4F-35E7-324B-B65F-FC5443FE5A58}"/>
               </a:ext>
             </a:extLst>
           </p:cNvPr>
@@ -3614,15 +3758,7 @@
           <a:p>
             <a:r>
               <a:rPr lang="fr-FR" dirty="0"/>
-              <a:t>Modifications de </a:t>
-            </a:r>
-            <a:r>
-              <a:rPr lang="fr-FR" dirty="0" err="1"/>
-              <a:t>l’app</a:t>
-            </a:r>
-            <a:r>
-              <a:rPr lang="fr-FR"/>
-              <a:t> mobile </a:t>
+              <a:t>Entretien avec le client </a:t>
             </a:r>
           </a:p>
         </p:txBody>
@@ -3632,7 +3768,7 @@
           <p:cNvPr id="3" name="Espace réservé du contenu 2">
             <a:extLst>
               <a:ext uri="{FF2B5EF4-FFF2-40B4-BE49-F238E27FC236}">
-                <a16:creationId xmlns:a16="http://schemas.microsoft.com/office/drawing/2014/main" id="{618AD5DD-6E2D-1148-B6E4-E6B24EC23AB5}"/>
+                <a16:creationId xmlns:a16="http://schemas.microsoft.com/office/drawing/2014/main" id="{15477CC0-CA05-F344-93E7-4BEDFEF7C8BE}"/>
               </a:ext>
             </a:extLst>
           </p:cNvPr>
@@ -3655,7 +3791,7 @@
     </p:spTree>
     <p:extLst>
       <p:ext uri="{BB962C8B-B14F-4D97-AF65-F5344CB8AC3E}">
-        <p14:creationId xmlns:p14="http://schemas.microsoft.com/office/powerpoint/2010/main" val="4091710115"/>
+        <p14:creationId xmlns:p14="http://schemas.microsoft.com/office/powerpoint/2010/main" val="2737234727"/>
       </p:ext>
     </p:extLst>
   </p:cSld>
@@ -3687,7 +3823,7 @@
           <p:cNvPr id="2" name="Titre 1">
             <a:extLst>
               <a:ext uri="{FF2B5EF4-FFF2-40B4-BE49-F238E27FC236}">
-                <a16:creationId xmlns:a16="http://schemas.microsoft.com/office/drawing/2014/main" id="{113484F7-246E-4B4F-8622-DDF8EEDBD389}"/>
+                <a16:creationId xmlns:a16="http://schemas.microsoft.com/office/drawing/2014/main" id="{DEDF04B0-5015-C243-8D07-5B2CAB4B33AA}"/>
               </a:ext>
             </a:extLst>
           </p:cNvPr>
@@ -3705,7 +3841,7 @@
           <a:p>
             <a:r>
               <a:rPr lang="fr-FR" dirty="0"/>
-              <a:t>Difficultés rencontrées</a:t>
+              <a:t>Application mobile</a:t>
             </a:r>
           </a:p>
         </p:txBody>
@@ -3715,7 +3851,7 @@
           <p:cNvPr id="3" name="Espace réservé du contenu 2">
             <a:extLst>
               <a:ext uri="{FF2B5EF4-FFF2-40B4-BE49-F238E27FC236}">
-                <a16:creationId xmlns:a16="http://schemas.microsoft.com/office/drawing/2014/main" id="{24DAE48B-6DF2-5548-9109-AE2164F4DA9B}"/>
+                <a16:creationId xmlns:a16="http://schemas.microsoft.com/office/drawing/2014/main" id="{A45E5E76-F43B-3740-A392-4D63D5D85F85}"/>
               </a:ext>
             </a:extLst>
           </p:cNvPr>
@@ -3733,24 +3869,507 @@
           <a:p>
             <a:r>
               <a:rPr lang="fr-FR" dirty="0"/>
-              <a:t>Gros changement dans la base de données le vendredi avant de rendre le TPI</a:t>
+              <a:t>Changement de design </a:t>
             </a:r>
           </a:p>
           <a:p>
             <a:r>
               <a:rPr lang="fr-FR" dirty="0"/>
-              <a:t>Refaire la moitié des fonctions sur le site ainsi que sur l’application mobile </a:t>
-            </a:r>
-          </a:p>
-          <a:p>
-            <a:endParaRPr lang="fr-FR" dirty="0"/>
+              <a:t>Ajout d’une nouvelle page </a:t>
+            </a:r>
           </a:p>
         </p:txBody>
       </p:sp>
     </p:spTree>
     <p:extLst>
       <p:ext uri="{BB962C8B-B14F-4D97-AF65-F5344CB8AC3E}">
-        <p14:creationId xmlns:p14="http://schemas.microsoft.com/office/powerpoint/2010/main" val="3377292038"/>
+        <p14:creationId xmlns:p14="http://schemas.microsoft.com/office/powerpoint/2010/main" val="1944163197"/>
+      </p:ext>
+    </p:extLst>
+  </p:cSld>
+  <p:clrMapOvr>
+    <a:masterClrMapping/>
+  </p:clrMapOvr>
+</p:sld>
+</file>
+
+<file path=ppt/slides/slide7.xml><?xml version="1.0" encoding="utf-8"?>
+<p:sld xmlns:a="http://schemas.openxmlformats.org/drawingml/2006/main" xmlns:r="http://schemas.openxmlformats.org/officeDocument/2006/relationships" xmlns:p="http://schemas.openxmlformats.org/presentationml/2006/main">
+  <p:cSld>
+    <p:spTree>
+      <p:nvGrpSpPr>
+        <p:cNvPr id="1" name=""/>
+        <p:cNvGrpSpPr/>
+        <p:nvPr/>
+      </p:nvGrpSpPr>
+      <p:grpSpPr>
+        <a:xfrm>
+          <a:off x="0" y="0"/>
+          <a:ext cx="0" cy="0"/>
+          <a:chOff x="0" y="0"/>
+          <a:chExt cx="0" cy="0"/>
+        </a:xfrm>
+      </p:grpSpPr>
+      <p:sp>
+        <p:nvSpPr>
+          <p:cNvPr id="2" name="Titre 1">
+            <a:extLst>
+              <a:ext uri="{FF2B5EF4-FFF2-40B4-BE49-F238E27FC236}">
+                <a16:creationId xmlns:a16="http://schemas.microsoft.com/office/drawing/2014/main" id="{6B7BE32D-3C01-E545-A841-1DA73643352A}"/>
+              </a:ext>
+            </a:extLst>
+          </p:cNvPr>
+          <p:cNvSpPr>
+            <a:spLocks noGrp="1"/>
+          </p:cNvSpPr>
+          <p:nvPr>
+            <p:ph type="title"/>
+          </p:nvPr>
+        </p:nvSpPr>
+        <p:spPr/>
+        <p:txBody>
+          <a:bodyPr/>
+          <a:lstStyle/>
+          <a:p>
+            <a:endParaRPr lang="fr-FR"/>
+          </a:p>
+        </p:txBody>
+      </p:sp>
+      <p:sp>
+        <p:nvSpPr>
+          <p:cNvPr id="3" name="Espace réservé du contenu 2">
+            <a:extLst>
+              <a:ext uri="{FF2B5EF4-FFF2-40B4-BE49-F238E27FC236}">
+                <a16:creationId xmlns:a16="http://schemas.microsoft.com/office/drawing/2014/main" id="{793293B2-3990-EC4E-A6A8-25534EAB3D8B}"/>
+              </a:ext>
+            </a:extLst>
+          </p:cNvPr>
+          <p:cNvSpPr>
+            <a:spLocks noGrp="1"/>
+          </p:cNvSpPr>
+          <p:nvPr>
+            <p:ph idx="1"/>
+          </p:nvPr>
+        </p:nvSpPr>
+        <p:spPr/>
+        <p:txBody>
+          <a:bodyPr/>
+          <a:lstStyle/>
+          <a:p>
+            <a:endParaRPr lang="fr-FR" dirty="0"/>
+          </a:p>
+        </p:txBody>
+      </p:sp>
+      <p:pic>
+        <p:nvPicPr>
+          <p:cNvPr id="4" name="Image 3">
+            <a:extLst>
+              <a:ext uri="{FF2B5EF4-FFF2-40B4-BE49-F238E27FC236}">
+                <a16:creationId xmlns:a16="http://schemas.microsoft.com/office/drawing/2014/main" id="{A9F3A403-A624-3D48-806C-9CA8926D985D}"/>
+              </a:ext>
+            </a:extLst>
+          </p:cNvPr>
+          <p:cNvPicPr>
+            <a:picLocks noChangeAspect="1"/>
+          </p:cNvPicPr>
+          <p:nvPr/>
+        </p:nvPicPr>
+        <p:blipFill>
+          <a:blip r:embed="rId2"/>
+          <a:stretch>
+            <a:fillRect/>
+          </a:stretch>
+        </p:blipFill>
+        <p:spPr>
+          <a:xfrm>
+            <a:off x="0" y="365125"/>
+            <a:ext cx="3460878" cy="6155748"/>
+          </a:xfrm>
+          <a:prstGeom prst="rect">
+            <a:avLst/>
+          </a:prstGeom>
+        </p:spPr>
+      </p:pic>
+      <p:sp>
+        <p:nvSpPr>
+          <p:cNvPr id="5" name="Flèche vers la droite 4">
+            <a:extLst>
+              <a:ext uri="{FF2B5EF4-FFF2-40B4-BE49-F238E27FC236}">
+                <a16:creationId xmlns:a16="http://schemas.microsoft.com/office/drawing/2014/main" id="{5FDC8547-3F20-D249-A0C8-009DDB2D9AE2}"/>
+              </a:ext>
+            </a:extLst>
+          </p:cNvPr>
+          <p:cNvSpPr/>
+          <p:nvPr/>
+        </p:nvSpPr>
+        <p:spPr>
+          <a:xfrm>
+            <a:off x="3627771" y="3301171"/>
+            <a:ext cx="738909" cy="389876"/>
+          </a:xfrm>
+          <a:prstGeom prst="rightArrow">
+            <a:avLst/>
+          </a:prstGeom>
+        </p:spPr>
+        <p:style>
+          <a:lnRef idx="2">
+            <a:schemeClr val="accent1">
+              <a:shade val="50000"/>
+            </a:schemeClr>
+          </a:lnRef>
+          <a:fillRef idx="1">
+            <a:schemeClr val="accent1"/>
+          </a:fillRef>
+          <a:effectRef idx="0">
+            <a:schemeClr val="accent1"/>
+          </a:effectRef>
+          <a:fontRef idx="minor">
+            <a:schemeClr val="lt1"/>
+          </a:fontRef>
+        </p:style>
+        <p:txBody>
+          <a:bodyPr rtlCol="0" anchor="ctr"/>
+          <a:lstStyle/>
+          <a:p>
+            <a:pPr algn="ctr"/>
+            <a:endParaRPr lang="fr-FR"/>
+          </a:p>
+        </p:txBody>
+      </p:sp>
+      <p:pic>
+        <p:nvPicPr>
+          <p:cNvPr id="6" name="Image 5">
+            <a:extLst>
+              <a:ext uri="{FF2B5EF4-FFF2-40B4-BE49-F238E27FC236}">
+                <a16:creationId xmlns:a16="http://schemas.microsoft.com/office/drawing/2014/main" id="{38F1B31B-42BA-DB4E-B589-F3D452529C2B}"/>
+              </a:ext>
+            </a:extLst>
+          </p:cNvPr>
+          <p:cNvPicPr>
+            <a:picLocks noChangeAspect="1"/>
+          </p:cNvPicPr>
+          <p:nvPr/>
+        </p:nvPicPr>
+        <p:blipFill>
+          <a:blip r:embed="rId3"/>
+          <a:stretch>
+            <a:fillRect/>
+          </a:stretch>
+        </p:blipFill>
+        <p:spPr>
+          <a:xfrm>
+            <a:off x="4851145" y="365125"/>
+            <a:ext cx="3460877" cy="6155748"/>
+          </a:xfrm>
+          <a:prstGeom prst="rect">
+            <a:avLst/>
+          </a:prstGeom>
+        </p:spPr>
+      </p:pic>
+      <p:pic>
+        <p:nvPicPr>
+          <p:cNvPr id="7" name="Image 6">
+            <a:extLst>
+              <a:ext uri="{FF2B5EF4-FFF2-40B4-BE49-F238E27FC236}">
+                <a16:creationId xmlns:a16="http://schemas.microsoft.com/office/drawing/2014/main" id="{4958CD47-57E5-4848-A19F-9CEDC14288B5}"/>
+              </a:ext>
+            </a:extLst>
+          </p:cNvPr>
+          <p:cNvPicPr>
+            <a:picLocks noChangeAspect="1"/>
+          </p:cNvPicPr>
+          <p:nvPr/>
+        </p:nvPicPr>
+        <p:blipFill>
+          <a:blip r:embed="rId4"/>
+          <a:stretch>
+            <a:fillRect/>
+          </a:stretch>
+        </p:blipFill>
+        <p:spPr>
+          <a:xfrm>
+            <a:off x="8731122" y="365125"/>
+            <a:ext cx="3460878" cy="6155748"/>
+          </a:xfrm>
+          <a:prstGeom prst="rect">
+            <a:avLst/>
+          </a:prstGeom>
+        </p:spPr>
+      </p:pic>
+    </p:spTree>
+    <p:extLst>
+      <p:ext uri="{BB962C8B-B14F-4D97-AF65-F5344CB8AC3E}">
+        <p14:creationId xmlns:p14="http://schemas.microsoft.com/office/powerpoint/2010/main" val="1144586367"/>
+      </p:ext>
+    </p:extLst>
+  </p:cSld>
+  <p:clrMapOvr>
+    <a:masterClrMapping/>
+  </p:clrMapOvr>
+</p:sld>
+</file>
+
+<file path=ppt/slides/slide8.xml><?xml version="1.0" encoding="utf-8"?>
+<p:sld xmlns:a="http://schemas.openxmlformats.org/drawingml/2006/main" xmlns:r="http://schemas.openxmlformats.org/officeDocument/2006/relationships" xmlns:p="http://schemas.openxmlformats.org/presentationml/2006/main">
+  <p:cSld>
+    <p:spTree>
+      <p:nvGrpSpPr>
+        <p:cNvPr id="1" name=""/>
+        <p:cNvGrpSpPr/>
+        <p:nvPr/>
+      </p:nvGrpSpPr>
+      <p:grpSpPr>
+        <a:xfrm>
+          <a:off x="0" y="0"/>
+          <a:ext cx="0" cy="0"/>
+          <a:chOff x="0" y="0"/>
+          <a:chExt cx="0" cy="0"/>
+        </a:xfrm>
+      </p:grpSpPr>
+      <p:sp>
+        <p:nvSpPr>
+          <p:cNvPr id="2" name="Titre 1">
+            <a:extLst>
+              <a:ext uri="{FF2B5EF4-FFF2-40B4-BE49-F238E27FC236}">
+                <a16:creationId xmlns:a16="http://schemas.microsoft.com/office/drawing/2014/main" id="{D8F020C9-4433-C74B-9794-2999CDEF454A}"/>
+              </a:ext>
+            </a:extLst>
+          </p:cNvPr>
+          <p:cNvSpPr>
+            <a:spLocks noGrp="1"/>
+          </p:cNvSpPr>
+          <p:nvPr>
+            <p:ph type="title"/>
+          </p:nvPr>
+        </p:nvSpPr>
+        <p:spPr/>
+        <p:txBody>
+          <a:bodyPr/>
+          <a:lstStyle/>
+          <a:p>
+            <a:endParaRPr lang="fr-FR" dirty="0"/>
+          </a:p>
+        </p:txBody>
+      </p:sp>
+      <p:sp>
+        <p:nvSpPr>
+          <p:cNvPr id="3" name="Espace réservé du contenu 2">
+            <a:extLst>
+              <a:ext uri="{FF2B5EF4-FFF2-40B4-BE49-F238E27FC236}">
+                <a16:creationId xmlns:a16="http://schemas.microsoft.com/office/drawing/2014/main" id="{618AD5DD-6E2D-1148-B6E4-E6B24EC23AB5}"/>
+              </a:ext>
+            </a:extLst>
+          </p:cNvPr>
+          <p:cNvSpPr>
+            <a:spLocks noGrp="1"/>
+          </p:cNvSpPr>
+          <p:nvPr>
+            <p:ph idx="1"/>
+          </p:nvPr>
+        </p:nvSpPr>
+        <p:spPr/>
+        <p:txBody>
+          <a:bodyPr/>
+          <a:lstStyle/>
+          <a:p>
+            <a:endParaRPr lang="fr-FR" dirty="0"/>
+          </a:p>
+        </p:txBody>
+      </p:sp>
+      <p:pic>
+        <p:nvPicPr>
+          <p:cNvPr id="5" name="Image 4">
+            <a:extLst>
+              <a:ext uri="{FF2B5EF4-FFF2-40B4-BE49-F238E27FC236}">
+                <a16:creationId xmlns:a16="http://schemas.microsoft.com/office/drawing/2014/main" id="{9DE65F7A-92DE-CA49-82F1-C6EEF3684FB7}"/>
+              </a:ext>
+            </a:extLst>
+          </p:cNvPr>
+          <p:cNvPicPr>
+            <a:picLocks noChangeAspect="1"/>
+          </p:cNvPicPr>
+          <p:nvPr/>
+        </p:nvPicPr>
+        <p:blipFill>
+          <a:blip r:embed="rId2"/>
+          <a:stretch>
+            <a:fillRect/>
+          </a:stretch>
+        </p:blipFill>
+        <p:spPr>
+          <a:xfrm>
+            <a:off x="838200" y="365124"/>
+            <a:ext cx="3484418" cy="6197617"/>
+          </a:xfrm>
+          <a:prstGeom prst="rect">
+            <a:avLst/>
+          </a:prstGeom>
+        </p:spPr>
+      </p:pic>
+      <p:sp>
+        <p:nvSpPr>
+          <p:cNvPr id="8" name="Flèche vers la droite 7">
+            <a:extLst>
+              <a:ext uri="{FF2B5EF4-FFF2-40B4-BE49-F238E27FC236}">
+                <a16:creationId xmlns:a16="http://schemas.microsoft.com/office/drawing/2014/main" id="{4F3B006E-A593-4746-A7C4-2CCCA8096ACE}"/>
+              </a:ext>
+            </a:extLst>
+          </p:cNvPr>
+          <p:cNvSpPr/>
+          <p:nvPr/>
+        </p:nvSpPr>
+        <p:spPr>
+          <a:xfrm>
+            <a:off x="5726545" y="3806356"/>
+            <a:ext cx="738909" cy="389876"/>
+          </a:xfrm>
+          <a:prstGeom prst="rightArrow">
+            <a:avLst/>
+          </a:prstGeom>
+        </p:spPr>
+        <p:style>
+          <a:lnRef idx="2">
+            <a:schemeClr val="accent1">
+              <a:shade val="50000"/>
+            </a:schemeClr>
+          </a:lnRef>
+          <a:fillRef idx="1">
+            <a:schemeClr val="accent1"/>
+          </a:fillRef>
+          <a:effectRef idx="0">
+            <a:schemeClr val="accent1"/>
+          </a:effectRef>
+          <a:fontRef idx="minor">
+            <a:schemeClr val="lt1"/>
+          </a:fontRef>
+        </p:style>
+        <p:txBody>
+          <a:bodyPr rtlCol="0" anchor="ctr"/>
+          <a:lstStyle/>
+          <a:p>
+            <a:pPr algn="ctr"/>
+            <a:endParaRPr lang="fr-FR"/>
+          </a:p>
+        </p:txBody>
+      </p:sp>
+      <p:pic>
+        <p:nvPicPr>
+          <p:cNvPr id="10" name="Image 9">
+            <a:extLst>
+              <a:ext uri="{FF2B5EF4-FFF2-40B4-BE49-F238E27FC236}">
+                <a16:creationId xmlns:a16="http://schemas.microsoft.com/office/drawing/2014/main" id="{E6AAD51F-14A1-6540-8294-B0B4145865BF}"/>
+              </a:ext>
+            </a:extLst>
+          </p:cNvPr>
+          <p:cNvPicPr>
+            <a:picLocks noChangeAspect="1"/>
+          </p:cNvPicPr>
+          <p:nvPr/>
+        </p:nvPicPr>
+        <p:blipFill>
+          <a:blip r:embed="rId3"/>
+          <a:stretch>
+            <a:fillRect/>
+          </a:stretch>
+        </p:blipFill>
+        <p:spPr>
+          <a:xfrm>
+            <a:off x="7867558" y="365124"/>
+            <a:ext cx="3486242" cy="6200862"/>
+          </a:xfrm>
+          <a:prstGeom prst="rect">
+            <a:avLst/>
+          </a:prstGeom>
+        </p:spPr>
+      </p:pic>
+    </p:spTree>
+    <p:extLst>
+      <p:ext uri="{BB962C8B-B14F-4D97-AF65-F5344CB8AC3E}">
+        <p14:creationId xmlns:p14="http://schemas.microsoft.com/office/powerpoint/2010/main" val="4091710115"/>
+      </p:ext>
+    </p:extLst>
+  </p:cSld>
+  <p:clrMapOvr>
+    <a:masterClrMapping/>
+  </p:clrMapOvr>
+</p:sld>
+</file>
+
+<file path=ppt/slides/slide9.xml><?xml version="1.0" encoding="utf-8"?>
+<p:sld xmlns:a="http://schemas.openxmlformats.org/drawingml/2006/main" xmlns:r="http://schemas.openxmlformats.org/officeDocument/2006/relationships" xmlns:p="http://schemas.openxmlformats.org/presentationml/2006/main">
+  <p:cSld>
+    <p:spTree>
+      <p:nvGrpSpPr>
+        <p:cNvPr id="1" name=""/>
+        <p:cNvGrpSpPr/>
+        <p:nvPr/>
+      </p:nvGrpSpPr>
+      <p:grpSpPr>
+        <a:xfrm>
+          <a:off x="0" y="0"/>
+          <a:ext cx="0" cy="0"/>
+          <a:chOff x="0" y="0"/>
+          <a:chExt cx="0" cy="0"/>
+        </a:xfrm>
+      </p:grpSpPr>
+      <p:sp>
+        <p:nvSpPr>
+          <p:cNvPr id="2" name="Titre 1">
+            <a:extLst>
+              <a:ext uri="{FF2B5EF4-FFF2-40B4-BE49-F238E27FC236}">
+                <a16:creationId xmlns:a16="http://schemas.microsoft.com/office/drawing/2014/main" id="{9B8AD4FD-586B-BE4F-998B-B7E4791A1369}"/>
+              </a:ext>
+            </a:extLst>
+          </p:cNvPr>
+          <p:cNvSpPr>
+            <a:spLocks noGrp="1"/>
+          </p:cNvSpPr>
+          <p:nvPr>
+            <p:ph type="title"/>
+          </p:nvPr>
+        </p:nvSpPr>
+        <p:spPr/>
+        <p:txBody>
+          <a:bodyPr/>
+          <a:lstStyle/>
+          <a:p>
+            <a:endParaRPr lang="fr-FR"/>
+          </a:p>
+        </p:txBody>
+      </p:sp>
+      <p:pic>
+        <p:nvPicPr>
+          <p:cNvPr id="5" name="Espace réservé du contenu 4">
+            <a:extLst>
+              <a:ext uri="{FF2B5EF4-FFF2-40B4-BE49-F238E27FC236}">
+                <a16:creationId xmlns:a16="http://schemas.microsoft.com/office/drawing/2014/main" id="{A15FD77F-FB94-9647-B51F-9460DAB4FAFA}"/>
+              </a:ext>
+            </a:extLst>
+          </p:cNvPr>
+          <p:cNvPicPr>
+            <a:picLocks noGrp="1" noChangeAspect="1"/>
+          </p:cNvPicPr>
+          <p:nvPr>
+            <p:ph idx="1"/>
+          </p:nvPr>
+        </p:nvPicPr>
+        <p:blipFill>
+          <a:blip r:embed="rId2"/>
+          <a:stretch>
+            <a:fillRect/>
+          </a:stretch>
+        </p:blipFill>
+        <p:spPr>
+          <a:xfrm>
+            <a:off x="4355561" y="291233"/>
+            <a:ext cx="3480877" cy="6191321"/>
+          </a:xfrm>
+        </p:spPr>
+      </p:pic>
+    </p:spTree>
+    <p:extLst>
+      <p:ext uri="{BB962C8B-B14F-4D97-AF65-F5344CB8AC3E}">
+        <p14:creationId xmlns:p14="http://schemas.microsoft.com/office/powerpoint/2010/main" val="2552274360"/>
       </p:ext>
     </p:extLst>
   </p:cSld>

--- a/Documentation/présentation.pptx
+++ b/Documentation/présentation.pptx
@@ -7,14 +7,17 @@
   <p:sldIdLst>
     <p:sldId id="256" r:id="rId2"/>
     <p:sldId id="262" r:id="rId3"/>
-    <p:sldId id="258" r:id="rId4"/>
-    <p:sldId id="257" r:id="rId5"/>
-    <p:sldId id="260" r:id="rId6"/>
-    <p:sldId id="263" r:id="rId7"/>
-    <p:sldId id="264" r:id="rId8"/>
-    <p:sldId id="261" r:id="rId9"/>
-    <p:sldId id="265" r:id="rId10"/>
-    <p:sldId id="259" r:id="rId11"/>
+    <p:sldId id="266" r:id="rId4"/>
+    <p:sldId id="258" r:id="rId5"/>
+    <p:sldId id="257" r:id="rId6"/>
+    <p:sldId id="260" r:id="rId7"/>
+    <p:sldId id="263" r:id="rId8"/>
+    <p:sldId id="264" r:id="rId9"/>
+    <p:sldId id="261" r:id="rId10"/>
+    <p:sldId id="265" r:id="rId11"/>
+    <p:sldId id="259" r:id="rId12"/>
+    <p:sldId id="267" r:id="rId13"/>
+    <p:sldId id="268" r:id="rId14"/>
   </p:sldIdLst>
   <p:sldSz cx="12192000" cy="6858000"/>
   <p:notesSz cx="6858000" cy="9144000"/>
@@ -268,7 +271,7 @@
           <a:p>
             <a:fld id="{F314E2E7-D64F-144F-B0DC-8951CC57A7B9}" type="datetimeFigureOut">
               <a:rPr lang="fr-FR" smtClean="0"/>
-              <a:t>13/06/2018</a:t>
+              <a:t>14/06/2018</a:t>
             </a:fld>
             <a:endParaRPr lang="fr-FR"/>
           </a:p>
@@ -441,7 +444,7 @@
           <a:p>
             <a:fld id="{F314E2E7-D64F-144F-B0DC-8951CC57A7B9}" type="datetimeFigureOut">
               <a:rPr lang="fr-FR" smtClean="0"/>
-              <a:t>13/06/2018</a:t>
+              <a:t>14/06/2018</a:t>
             </a:fld>
             <a:endParaRPr lang="fr-FR"/>
           </a:p>
@@ -624,7 +627,7 @@
           <a:p>
             <a:fld id="{F314E2E7-D64F-144F-B0DC-8951CC57A7B9}" type="datetimeFigureOut">
               <a:rPr lang="fr-FR" smtClean="0"/>
-              <a:t>13/06/2018</a:t>
+              <a:t>14/06/2018</a:t>
             </a:fld>
             <a:endParaRPr lang="fr-FR"/>
           </a:p>
@@ -797,7 +800,7 @@
           <a:p>
             <a:fld id="{F314E2E7-D64F-144F-B0DC-8951CC57A7B9}" type="datetimeFigureOut">
               <a:rPr lang="fr-FR" smtClean="0"/>
-              <a:t>13/06/2018</a:t>
+              <a:t>14/06/2018</a:t>
             </a:fld>
             <a:endParaRPr lang="fr-FR"/>
           </a:p>
@@ -1075,7 +1078,7 @@
           <a:p>
             <a:fld id="{F314E2E7-D64F-144F-B0DC-8951CC57A7B9}" type="datetimeFigureOut">
               <a:rPr lang="fr-FR" smtClean="0"/>
-              <a:t>13/06/2018</a:t>
+              <a:t>14/06/2018</a:t>
             </a:fld>
             <a:endParaRPr lang="fr-FR"/>
           </a:p>
@@ -1290,7 +1293,7 @@
           <a:p>
             <a:fld id="{F314E2E7-D64F-144F-B0DC-8951CC57A7B9}" type="datetimeFigureOut">
               <a:rPr lang="fr-FR" smtClean="0"/>
-              <a:t>13/06/2018</a:t>
+              <a:t>14/06/2018</a:t>
             </a:fld>
             <a:endParaRPr lang="fr-FR"/>
           </a:p>
@@ -1658,7 +1661,7 @@
           <a:p>
             <a:fld id="{F314E2E7-D64F-144F-B0DC-8951CC57A7B9}" type="datetimeFigureOut">
               <a:rPr lang="fr-FR" smtClean="0"/>
-              <a:t>13/06/2018</a:t>
+              <a:t>14/06/2018</a:t>
             </a:fld>
             <a:endParaRPr lang="fr-FR"/>
           </a:p>
@@ -1799,7 +1802,7 @@
           <a:p>
             <a:fld id="{F314E2E7-D64F-144F-B0DC-8951CC57A7B9}" type="datetimeFigureOut">
               <a:rPr lang="fr-FR" smtClean="0"/>
-              <a:t>13/06/2018</a:t>
+              <a:t>14/06/2018</a:t>
             </a:fld>
             <a:endParaRPr lang="fr-FR"/>
           </a:p>
@@ -1912,7 +1915,7 @@
           <a:p>
             <a:fld id="{F314E2E7-D64F-144F-B0DC-8951CC57A7B9}" type="datetimeFigureOut">
               <a:rPr lang="fr-FR" smtClean="0"/>
-              <a:t>13/06/2018</a:t>
+              <a:t>14/06/2018</a:t>
             </a:fld>
             <a:endParaRPr lang="fr-FR"/>
           </a:p>
@@ -2201,7 +2204,7 @@
           <a:p>
             <a:fld id="{F314E2E7-D64F-144F-B0DC-8951CC57A7B9}" type="datetimeFigureOut">
               <a:rPr lang="fr-FR" smtClean="0"/>
-              <a:t>13/06/2018</a:t>
+              <a:t>14/06/2018</a:t>
             </a:fld>
             <a:endParaRPr lang="fr-FR"/>
           </a:p>
@@ -2492,7 +2495,7 @@
           <a:p>
             <a:fld id="{F314E2E7-D64F-144F-B0DC-8951CC57A7B9}" type="datetimeFigureOut">
               <a:rPr lang="fr-FR" smtClean="0"/>
-              <a:t>13/06/2018</a:t>
+              <a:t>14/06/2018</a:t>
             </a:fld>
             <a:endParaRPr lang="fr-FR"/>
           </a:p>
@@ -2708,7 +2711,7 @@
           <a:p>
             <a:fld id="{F314E2E7-D64F-144F-B0DC-8951CC57A7B9}" type="datetimeFigureOut">
               <a:rPr lang="fr-FR" smtClean="0"/>
-              <a:t>13/06/2018</a:t>
+              <a:t>14/06/2018</a:t>
             </a:fld>
             <a:endParaRPr lang="fr-FR"/>
           </a:p>
@@ -3233,6 +3236,90 @@
           <p:cNvPr id="2" name="Titre 1">
             <a:extLst>
               <a:ext uri="{FF2B5EF4-FFF2-40B4-BE49-F238E27FC236}">
+                <a16:creationId xmlns:a16="http://schemas.microsoft.com/office/drawing/2014/main" id="{9B8AD4FD-586B-BE4F-998B-B7E4791A1369}"/>
+              </a:ext>
+            </a:extLst>
+          </p:cNvPr>
+          <p:cNvSpPr>
+            <a:spLocks noGrp="1"/>
+          </p:cNvSpPr>
+          <p:nvPr>
+            <p:ph type="title"/>
+          </p:nvPr>
+        </p:nvSpPr>
+        <p:spPr/>
+        <p:txBody>
+          <a:bodyPr/>
+          <a:lstStyle/>
+          <a:p>
+            <a:endParaRPr lang="fr-FR"/>
+          </a:p>
+        </p:txBody>
+      </p:sp>
+      <p:pic>
+        <p:nvPicPr>
+          <p:cNvPr id="5" name="Espace réservé du contenu 4">
+            <a:extLst>
+              <a:ext uri="{FF2B5EF4-FFF2-40B4-BE49-F238E27FC236}">
+                <a16:creationId xmlns:a16="http://schemas.microsoft.com/office/drawing/2014/main" id="{A15FD77F-FB94-9647-B51F-9460DAB4FAFA}"/>
+              </a:ext>
+            </a:extLst>
+          </p:cNvPr>
+          <p:cNvPicPr>
+            <a:picLocks noGrp="1" noChangeAspect="1"/>
+          </p:cNvPicPr>
+          <p:nvPr>
+            <p:ph idx="1"/>
+          </p:nvPr>
+        </p:nvPicPr>
+        <p:blipFill>
+          <a:blip r:embed="rId2"/>
+          <a:stretch>
+            <a:fillRect/>
+          </a:stretch>
+        </p:blipFill>
+        <p:spPr>
+          <a:xfrm>
+            <a:off x="4355561" y="291233"/>
+            <a:ext cx="3480877" cy="6191321"/>
+          </a:xfrm>
+        </p:spPr>
+      </p:pic>
+    </p:spTree>
+    <p:extLst>
+      <p:ext uri="{BB962C8B-B14F-4D97-AF65-F5344CB8AC3E}">
+        <p14:creationId xmlns:p14="http://schemas.microsoft.com/office/powerpoint/2010/main" val="2552274360"/>
+      </p:ext>
+    </p:extLst>
+  </p:cSld>
+  <p:clrMapOvr>
+    <a:masterClrMapping/>
+  </p:clrMapOvr>
+</p:sld>
+</file>
+
+<file path=ppt/slides/slide11.xml><?xml version="1.0" encoding="utf-8"?>
+<p:sld xmlns:a="http://schemas.openxmlformats.org/drawingml/2006/main" xmlns:r="http://schemas.openxmlformats.org/officeDocument/2006/relationships" xmlns:p="http://schemas.openxmlformats.org/presentationml/2006/main">
+  <p:cSld>
+    <p:spTree>
+      <p:nvGrpSpPr>
+        <p:cNvPr id="1" name=""/>
+        <p:cNvGrpSpPr/>
+        <p:nvPr/>
+      </p:nvGrpSpPr>
+      <p:grpSpPr>
+        <a:xfrm>
+          <a:off x="0" y="0"/>
+          <a:ext cx="0" cy="0"/>
+          <a:chOff x="0" y="0"/>
+          <a:chExt cx="0" cy="0"/>
+        </a:xfrm>
+      </p:grpSpPr>
+      <p:sp>
+        <p:nvSpPr>
+          <p:cNvPr id="2" name="Titre 1">
+            <a:extLst>
+              <a:ext uri="{FF2B5EF4-FFF2-40B4-BE49-F238E27FC236}">
                 <a16:creationId xmlns:a16="http://schemas.microsoft.com/office/drawing/2014/main" id="{113484F7-246E-4B4F-8622-DDF8EEDBD389}"/>
               </a:ext>
             </a:extLst>
@@ -3297,6 +3384,241 @@
     <p:extLst>
       <p:ext uri="{BB962C8B-B14F-4D97-AF65-F5344CB8AC3E}">
         <p14:creationId xmlns:p14="http://schemas.microsoft.com/office/powerpoint/2010/main" val="3377292038"/>
+      </p:ext>
+    </p:extLst>
+  </p:cSld>
+  <p:clrMapOvr>
+    <a:masterClrMapping/>
+  </p:clrMapOvr>
+</p:sld>
+</file>
+
+<file path=ppt/slides/slide12.xml><?xml version="1.0" encoding="utf-8"?>
+<p:sld xmlns:a="http://schemas.openxmlformats.org/drawingml/2006/main" xmlns:r="http://schemas.openxmlformats.org/officeDocument/2006/relationships" xmlns:p="http://schemas.openxmlformats.org/presentationml/2006/main">
+  <p:cSld>
+    <p:spTree>
+      <p:nvGrpSpPr>
+        <p:cNvPr id="1" name=""/>
+        <p:cNvGrpSpPr/>
+        <p:nvPr/>
+      </p:nvGrpSpPr>
+      <p:grpSpPr>
+        <a:xfrm>
+          <a:off x="0" y="0"/>
+          <a:ext cx="0" cy="0"/>
+          <a:chOff x="0" y="0"/>
+          <a:chExt cx="0" cy="0"/>
+        </a:xfrm>
+      </p:grpSpPr>
+      <p:sp>
+        <p:nvSpPr>
+          <p:cNvPr id="2" name="Titre 1">
+            <a:extLst>
+              <a:ext uri="{FF2B5EF4-FFF2-40B4-BE49-F238E27FC236}">
+                <a16:creationId xmlns:a16="http://schemas.microsoft.com/office/drawing/2014/main" id="{F0EEA0CA-3B16-D14F-8FC8-2069CE075D37}"/>
+              </a:ext>
+            </a:extLst>
+          </p:cNvPr>
+          <p:cNvSpPr>
+            <a:spLocks noGrp="1"/>
+          </p:cNvSpPr>
+          <p:nvPr>
+            <p:ph type="title"/>
+          </p:nvPr>
+        </p:nvSpPr>
+        <p:spPr/>
+        <p:txBody>
+          <a:bodyPr/>
+          <a:lstStyle/>
+          <a:p>
+            <a:r>
+              <a:rPr lang="fr-FR" dirty="0"/>
+              <a:t>Améliorations</a:t>
+            </a:r>
+          </a:p>
+        </p:txBody>
+      </p:sp>
+      <p:sp>
+        <p:nvSpPr>
+          <p:cNvPr id="3" name="Espace réservé du contenu 2">
+            <a:extLst>
+              <a:ext uri="{FF2B5EF4-FFF2-40B4-BE49-F238E27FC236}">
+                <a16:creationId xmlns:a16="http://schemas.microsoft.com/office/drawing/2014/main" id="{04EE4C1D-CCA0-E04B-A878-8ECCE60137BF}"/>
+              </a:ext>
+            </a:extLst>
+          </p:cNvPr>
+          <p:cNvSpPr>
+            <a:spLocks noGrp="1"/>
+          </p:cNvSpPr>
+          <p:nvPr>
+            <p:ph idx="1"/>
+          </p:nvPr>
+        </p:nvSpPr>
+        <p:spPr/>
+        <p:txBody>
+          <a:bodyPr/>
+          <a:lstStyle/>
+          <a:p>
+            <a:r>
+              <a:rPr lang="fr-FR" dirty="0"/>
+              <a:t>Page permettant de créer des utilisateurs ainsi qu’un mot de passe crypté</a:t>
+            </a:r>
+          </a:p>
+          <a:p>
+            <a:r>
+              <a:rPr lang="fr-FR" dirty="0"/>
+              <a:t>Page de login sur </a:t>
+            </a:r>
+            <a:r>
+              <a:rPr lang="fr-FR"/>
+              <a:t>l’application mobile </a:t>
+            </a:r>
+          </a:p>
+          <a:p>
+            <a:endParaRPr lang="fr-FR" dirty="0"/>
+          </a:p>
+          <a:p>
+            <a:endParaRPr lang="fr-FR" dirty="0"/>
+          </a:p>
+          <a:p>
+            <a:endParaRPr lang="fr-FR" dirty="0"/>
+          </a:p>
+        </p:txBody>
+      </p:sp>
+    </p:spTree>
+    <p:extLst>
+      <p:ext uri="{BB962C8B-B14F-4D97-AF65-F5344CB8AC3E}">
+        <p14:creationId xmlns:p14="http://schemas.microsoft.com/office/powerpoint/2010/main" val="3966416713"/>
+      </p:ext>
+    </p:extLst>
+  </p:cSld>
+  <p:clrMapOvr>
+    <a:masterClrMapping/>
+  </p:clrMapOvr>
+</p:sld>
+</file>
+
+<file path=ppt/slides/slide13.xml><?xml version="1.0" encoding="utf-8"?>
+<p:sld xmlns:a="http://schemas.openxmlformats.org/drawingml/2006/main" xmlns:r="http://schemas.openxmlformats.org/officeDocument/2006/relationships" xmlns:p="http://schemas.openxmlformats.org/presentationml/2006/main">
+  <p:cSld>
+    <p:spTree>
+      <p:nvGrpSpPr>
+        <p:cNvPr id="1" name=""/>
+        <p:cNvGrpSpPr/>
+        <p:nvPr/>
+      </p:nvGrpSpPr>
+      <p:grpSpPr>
+        <a:xfrm>
+          <a:off x="0" y="0"/>
+          <a:ext cx="0" cy="0"/>
+          <a:chOff x="0" y="0"/>
+          <a:chExt cx="0" cy="0"/>
+        </a:xfrm>
+      </p:grpSpPr>
+      <p:sp>
+        <p:nvSpPr>
+          <p:cNvPr id="2" name="Titre 1">
+            <a:extLst>
+              <a:ext uri="{FF2B5EF4-FFF2-40B4-BE49-F238E27FC236}">
+                <a16:creationId xmlns:a16="http://schemas.microsoft.com/office/drawing/2014/main" id="{EFAF7BC5-DCD3-A14B-B2DC-605CFAE91FD0}"/>
+              </a:ext>
+            </a:extLst>
+          </p:cNvPr>
+          <p:cNvSpPr>
+            <a:spLocks noGrp="1"/>
+          </p:cNvSpPr>
+          <p:nvPr>
+            <p:ph type="title"/>
+          </p:nvPr>
+        </p:nvSpPr>
+        <p:spPr/>
+        <p:txBody>
+          <a:bodyPr/>
+          <a:lstStyle/>
+          <a:p>
+            <a:r>
+              <a:rPr lang="fr-FR" dirty="0"/>
+              <a:t>Points positifs</a:t>
+            </a:r>
+          </a:p>
+        </p:txBody>
+      </p:sp>
+      <p:sp>
+        <p:nvSpPr>
+          <p:cNvPr id="3" name="Espace réservé du contenu 2">
+            <a:extLst>
+              <a:ext uri="{FF2B5EF4-FFF2-40B4-BE49-F238E27FC236}">
+                <a16:creationId xmlns:a16="http://schemas.microsoft.com/office/drawing/2014/main" id="{6950E3C6-DEC8-D84A-B8D3-01DD72CA2F8A}"/>
+              </a:ext>
+            </a:extLst>
+          </p:cNvPr>
+          <p:cNvSpPr>
+            <a:spLocks noGrp="1"/>
+          </p:cNvSpPr>
+          <p:nvPr>
+            <p:ph idx="1"/>
+          </p:nvPr>
+        </p:nvSpPr>
+        <p:spPr/>
+        <p:txBody>
+          <a:bodyPr/>
+          <a:lstStyle/>
+          <a:p>
+            <a:r>
+              <a:rPr lang="fr-FR" dirty="0"/>
+              <a:t>Apprentissage approfondit avec </a:t>
+            </a:r>
+            <a:r>
+              <a:rPr lang="fr-FR" dirty="0" err="1"/>
+              <a:t>ionic</a:t>
+            </a:r>
+            <a:r>
+              <a:rPr lang="fr-FR" dirty="0"/>
+              <a:t> </a:t>
+            </a:r>
+          </a:p>
+          <a:p>
+            <a:r>
+              <a:rPr lang="fr-FR" dirty="0"/>
+              <a:t>Apprentissage de nouvelles fonctions en PHP</a:t>
+            </a:r>
+          </a:p>
+          <a:p>
+            <a:r>
+              <a:rPr lang="fr-FR" dirty="0"/>
+              <a:t>Le stresse pour finir tout à temps</a:t>
+            </a:r>
+          </a:p>
+          <a:p>
+            <a:r>
+              <a:rPr lang="fr-FR" dirty="0"/>
+              <a:t>Le client </a:t>
+            </a:r>
+          </a:p>
+          <a:p>
+            <a:r>
+              <a:rPr lang="fr-FR" dirty="0"/>
+              <a:t>Faire un projet concret qui sera utilisé </a:t>
+            </a:r>
+          </a:p>
+          <a:p>
+            <a:endParaRPr lang="fr-FR" dirty="0"/>
+          </a:p>
+          <a:p>
+            <a:endParaRPr lang="fr-FR" dirty="0"/>
+          </a:p>
+          <a:p>
+            <a:endParaRPr lang="fr-FR" dirty="0"/>
+          </a:p>
+          <a:p>
+            <a:endParaRPr lang="fr-FR" dirty="0"/>
+          </a:p>
+        </p:txBody>
+      </p:sp>
+    </p:spTree>
+    <p:extLst>
+      <p:ext uri="{BB962C8B-B14F-4D97-AF65-F5344CB8AC3E}">
+        <p14:creationId xmlns:p14="http://schemas.microsoft.com/office/powerpoint/2010/main" val="4202757423"/>
       </p:ext>
     </p:extLst>
   </p:cSld>
@@ -3374,7 +3696,13 @@
           <a:p>
             <a:r>
               <a:rPr lang="fr-FR" dirty="0"/>
-              <a:t>M. Louis Pache, aide au CPNV</a:t>
+              <a:t>1 client, M. Louis Pache</a:t>
+            </a:r>
+          </a:p>
+          <a:p>
+            <a:r>
+              <a:rPr lang="fr-FR" dirty="0"/>
+              <a:t>Cercle d’Yverdon </a:t>
             </a:r>
           </a:p>
           <a:p>
@@ -3386,17 +3714,25 @@
           <a:p>
             <a:r>
               <a:rPr lang="fr-FR" dirty="0"/>
-              <a:t>Cercle d’Yverdon </a:t>
-            </a:r>
-          </a:p>
-          <a:p>
-            <a:r>
-              <a:rPr lang="fr-FR" dirty="0"/>
-              <a:t>Pré-TPI, site + </a:t>
-            </a:r>
-            <a:r>
-              <a:rPr lang="fr-FR"/>
-              <a:t>application mobile</a:t>
+              <a:t>Aide au CPNV</a:t>
+            </a:r>
+          </a:p>
+          <a:p>
+            <a:r>
+              <a:rPr lang="fr-FR" dirty="0"/>
+              <a:t>Application mobile et site web </a:t>
+            </a:r>
+          </a:p>
+          <a:p>
+            <a:r>
+              <a:rPr lang="fr-FR" dirty="0"/>
+              <a:t>Pré-TPI, site + application mobile</a:t>
+            </a:r>
+          </a:p>
+          <a:p>
+            <a:r>
+              <a:rPr lang="fr-FR" dirty="0"/>
+              <a:t>Tâche de faire ce projet</a:t>
             </a:r>
           </a:p>
         </p:txBody>
@@ -3436,7 +3772,7 @@
           <p:cNvPr id="2" name="Titre 1">
             <a:extLst>
               <a:ext uri="{FF2B5EF4-FFF2-40B4-BE49-F238E27FC236}">
-                <a16:creationId xmlns:a16="http://schemas.microsoft.com/office/drawing/2014/main" id="{8291E58B-1C17-7F4A-812A-153FC31E9A54}"/>
+                <a16:creationId xmlns:a16="http://schemas.microsoft.com/office/drawing/2014/main" id="{ACD7763A-0C4E-AB40-BF95-242E25A615D2}"/>
               </a:ext>
             </a:extLst>
           </p:cNvPr>
@@ -3454,57 +3790,70 @@
           <a:p>
             <a:r>
               <a:rPr lang="fr-FR" dirty="0"/>
-              <a:t>Mise en production </a:t>
-            </a:r>
-          </a:p>
-        </p:txBody>
-      </p:sp>
-      <p:sp>
-        <p:nvSpPr>
-          <p:cNvPr id="3" name="Espace réservé du contenu 2">
-            <a:extLst>
-              <a:ext uri="{FF2B5EF4-FFF2-40B4-BE49-F238E27FC236}">
-                <a16:creationId xmlns:a16="http://schemas.microsoft.com/office/drawing/2014/main" id="{62C846C1-C67B-364F-B695-0D4C539580A7}"/>
-              </a:ext>
-            </a:extLst>
-          </p:cNvPr>
-          <p:cNvSpPr>
-            <a:spLocks noGrp="1"/>
-          </p:cNvSpPr>
+              <a:t>Gestion de la cave</a:t>
+            </a:r>
+          </a:p>
+        </p:txBody>
+      </p:sp>
+      <p:pic>
+        <p:nvPicPr>
+          <p:cNvPr id="5" name="Espace réservé du contenu 4">
+            <a:extLst>
+              <a:ext uri="{FF2B5EF4-FFF2-40B4-BE49-F238E27FC236}">
+                <a16:creationId xmlns:a16="http://schemas.microsoft.com/office/drawing/2014/main" id="{B229CE2C-2A87-1441-9757-97E10BD393B4}"/>
+              </a:ext>
+            </a:extLst>
+          </p:cNvPr>
+          <p:cNvPicPr>
+            <a:picLocks noGrp="1" noChangeAspect="1"/>
+          </p:cNvPicPr>
           <p:nvPr>
             <p:ph idx="1"/>
           </p:nvPr>
-        </p:nvSpPr>
-        <p:spPr/>
-        <p:txBody>
-          <a:bodyPr/>
-          <a:lstStyle/>
-          <a:p>
-            <a:r>
-              <a:rPr lang="fr-FR" dirty="0"/>
-              <a:t>Ce qui était convenu avec le client c’est qu’on ne devait pas gérer les logins sur le site, vu qu’ils ont déjà un système de login sur le site. </a:t>
-            </a:r>
-          </a:p>
-          <a:p>
-            <a:r>
-              <a:rPr lang="fr-FR" dirty="0"/>
-              <a:t>Vu que le webmaster n’était pas au courant de ça j’ai créé une protection avec un fichier .</a:t>
-            </a:r>
-            <a:r>
-              <a:rPr lang="fr-FR" dirty="0" err="1"/>
-              <a:t>htaccess</a:t>
-            </a:r>
-            <a:r>
-              <a:rPr lang="fr-FR" dirty="0"/>
-              <a:t> qui demande un login + </a:t>
-            </a:r>
-            <a:r>
-              <a:rPr lang="fr-FR" dirty="0" err="1"/>
-              <a:t>mdp</a:t>
-            </a:r>
-            <a:r>
-              <a:rPr lang="fr-FR" dirty="0"/>
-              <a:t> lorsqu’on arrive sur ma partie du site.</a:t>
+        </p:nvPicPr>
+        <p:blipFill rotWithShape="1">
+          <a:blip r:embed="rId2"/>
+          <a:srcRect l="5176" t="7554" r="9915" b="5755"/>
+          <a:stretch/>
+        </p:blipFill>
+        <p:spPr>
+          <a:xfrm rot="5400000">
+            <a:off x="5291683" y="804317"/>
+            <a:ext cx="6866434" cy="5257800"/>
+          </a:xfrm>
+        </p:spPr>
+      </p:pic>
+      <p:sp>
+        <p:nvSpPr>
+          <p:cNvPr id="6" name="ZoneTexte 5">
+            <a:extLst>
+              <a:ext uri="{FF2B5EF4-FFF2-40B4-BE49-F238E27FC236}">
+                <a16:creationId xmlns:a16="http://schemas.microsoft.com/office/drawing/2014/main" id="{FEF48E5C-53E8-7348-8E84-854C2A70E082}"/>
+              </a:ext>
+            </a:extLst>
+          </p:cNvPr>
+          <p:cNvSpPr txBox="1"/>
+          <p:nvPr/>
+        </p:nvSpPr>
+        <p:spPr>
+          <a:xfrm>
+            <a:off x="838200" y="2909997"/>
+            <a:ext cx="3699510" cy="523220"/>
+          </a:xfrm>
+          <a:prstGeom prst="rect">
+            <a:avLst/>
+          </a:prstGeom>
+          <a:noFill/>
+        </p:spPr>
+        <p:txBody>
+          <a:bodyPr wrap="square" rtlCol="0">
+            <a:spAutoFit/>
+          </a:bodyPr>
+          <a:lstStyle/>
+          <a:p>
+            <a:r>
+              <a:rPr lang="fr-FR" sz="2800" dirty="0"/>
+              <a:t>Ancienne méthode</a:t>
             </a:r>
           </a:p>
         </p:txBody>
@@ -3512,7 +3861,7 @@
     </p:spTree>
     <p:extLst>
       <p:ext uri="{BB962C8B-B14F-4D97-AF65-F5344CB8AC3E}">
-        <p14:creationId xmlns:p14="http://schemas.microsoft.com/office/powerpoint/2010/main" val="1776768230"/>
+        <p14:creationId xmlns:p14="http://schemas.microsoft.com/office/powerpoint/2010/main" val="3437800917"/>
       </p:ext>
     </p:extLst>
   </p:cSld>
@@ -3544,7 +3893,7 @@
           <p:cNvPr id="2" name="Titre 1">
             <a:extLst>
               <a:ext uri="{FF2B5EF4-FFF2-40B4-BE49-F238E27FC236}">
-                <a16:creationId xmlns:a16="http://schemas.microsoft.com/office/drawing/2014/main" id="{20C5F73D-F677-7341-8DE8-52EF740466AA}"/>
+                <a16:creationId xmlns:a16="http://schemas.microsoft.com/office/drawing/2014/main" id="{8291E58B-1C17-7F4A-812A-153FC31E9A54}"/>
               </a:ext>
             </a:extLst>
           </p:cNvPr>
@@ -3572,7 +3921,7 @@
           <p:cNvPr id="3" name="Espace réservé du contenu 2">
             <a:extLst>
               <a:ext uri="{FF2B5EF4-FFF2-40B4-BE49-F238E27FC236}">
-                <a16:creationId xmlns:a16="http://schemas.microsoft.com/office/drawing/2014/main" id="{E76336E2-2F50-3E45-B944-ABFC072AD902}"/>
+                <a16:creationId xmlns:a16="http://schemas.microsoft.com/office/drawing/2014/main" id="{62C846C1-C67B-364F-B695-0D4C539580A7}"/>
               </a:ext>
             </a:extLst>
           </p:cNvPr>
@@ -3590,106 +3939,21 @@
           <a:p>
             <a:r>
               <a:rPr lang="fr-FR" dirty="0"/>
-              <a:t>Problème avec le fichier .</a:t>
+              <a:t>Ce qui était convenu avec le client c’est qu’on ne devait pas gérer les logins sur le site, vu qu’ils ont déjà un système de login sur le site. </a:t>
+            </a:r>
+          </a:p>
+          <a:p>
+            <a:r>
+              <a:rPr lang="fr-FR" dirty="0"/>
+              <a:t>Vu que le webmaster n’était pas au courant de ça j’ai créé une protection avec un fichier .</a:t>
             </a:r>
             <a:r>
               <a:rPr lang="fr-FR" dirty="0" err="1"/>
               <a:t>htaccess</a:t>
             </a:r>
-            <a:endParaRPr lang="fr-FR" dirty="0"/>
-          </a:p>
-          <a:p>
-            <a:r>
-              <a:rPr lang="fr-FR" dirty="0"/>
-              <a:t>J’ai mis les chemins comme on nous avait appris en cours d’apache</a:t>
-            </a:r>
-          </a:p>
-          <a:p>
-            <a:r>
-              <a:rPr lang="fr-FR" dirty="0"/>
-              <a:t>En regardant la documentation sur Infomaniak j’ai vu qu’il fallait mettre le chemin absolu vers le fichier où sont stockés les logins </a:t>
-            </a:r>
-          </a:p>
-          <a:p>
-            <a:r>
-              <a:rPr lang="fr-FR" dirty="0"/>
-              <a:t>J’ai dû connaître le chemin absolu de mon dossier avec une fonction </a:t>
-            </a:r>
-            <a:r>
-              <a:rPr lang="fr-FR" dirty="0" err="1"/>
-              <a:t>php</a:t>
-            </a:r>
-            <a:r>
-              <a:rPr lang="fr-FR" dirty="0"/>
-              <a:t> : </a:t>
-            </a:r>
-            <a:r>
-              <a:rPr lang="fr-CH" dirty="0" err="1"/>
-              <a:t>echo</a:t>
-            </a:r>
-            <a:r>
-              <a:rPr lang="fr-CH" dirty="0"/>
-              <a:t> </a:t>
-            </a:r>
-            <a:r>
-              <a:rPr lang="fr-CH" dirty="0" err="1"/>
-              <a:t>realpath</a:t>
-            </a:r>
-            <a:r>
-              <a:rPr lang="fr-CH" dirty="0"/>
-              <a:t>('</a:t>
-            </a:r>
-            <a:r>
-              <a:rPr lang="fr-CH" dirty="0" err="1"/>
-              <a:t>path.php</a:t>
-            </a:r>
-            <a:r>
-              <a:rPr lang="fr-CH" dirty="0"/>
-              <a:t>’);</a:t>
-            </a:r>
-          </a:p>
-          <a:p>
-            <a:r>
-              <a:rPr lang="fr-FR" dirty="0"/>
-              <a:t>Ensuite j’ai dû créer le mot de passe crypté : </a:t>
-            </a:r>
-            <a:r>
-              <a:rPr lang="fr-CH" dirty="0" err="1"/>
-              <a:t>echo</a:t>
-            </a:r>
-            <a:r>
-              <a:rPr lang="fr-CH" dirty="0"/>
-              <a:t> </a:t>
-            </a:r>
-            <a:r>
-              <a:rPr lang="fr-CH" dirty="0" err="1"/>
-              <a:t>crypt</a:t>
-            </a:r>
-            <a:r>
-              <a:rPr lang="fr-CH" dirty="0"/>
-              <a:t>('</a:t>
-            </a:r>
-            <a:r>
-              <a:rPr lang="fr-CH" dirty="0" err="1"/>
-              <a:t>mdp</a:t>
-            </a:r>
-            <a:r>
-              <a:rPr lang="fr-CH" dirty="0"/>
-              <a:t>’);</a:t>
-            </a:r>
-          </a:p>
-          <a:p>
-            <a:r>
-              <a:rPr lang="fr-FR" dirty="0"/>
-              <a:t>Créer le fichier .</a:t>
-            </a:r>
-            <a:r>
-              <a:rPr lang="fr-FR" dirty="0" err="1"/>
-              <a:t>htaccess</a:t>
-            </a:r>
-            <a:r>
-              <a:rPr lang="fr-FR" dirty="0"/>
-              <a:t> avec le chemin absolu sur mon fichier des </a:t>
+            <a:r>
+              <a:rPr lang="fr-FR" dirty="0"/>
+              <a:t> qui demande un login + </a:t>
             </a:r>
             <a:r>
               <a:rPr lang="fr-FR" dirty="0" err="1"/>
@@ -3697,18 +3961,23 @@
             </a:r>
             <a:r>
               <a:rPr lang="fr-FR" dirty="0"/>
-              <a:t> + login </a:t>
-            </a:r>
-          </a:p>
-          <a:p>
-            <a:endParaRPr lang="fr-FR" dirty="0"/>
+              <a:t> qui sont stockés dans le fichier .</a:t>
+            </a:r>
+            <a:r>
+              <a:rPr lang="fr-FR" dirty="0" err="1"/>
+              <a:t>htpassword</a:t>
+            </a:r>
+            <a:r>
+              <a:rPr lang="fr-FR" dirty="0"/>
+              <a:t> lorsqu’on arrive sur ma partie du site.</a:t>
+            </a:r>
           </a:p>
         </p:txBody>
       </p:sp>
     </p:spTree>
     <p:extLst>
       <p:ext uri="{BB962C8B-B14F-4D97-AF65-F5344CB8AC3E}">
-        <p14:creationId xmlns:p14="http://schemas.microsoft.com/office/powerpoint/2010/main" val="3329647417"/>
+        <p14:creationId xmlns:p14="http://schemas.microsoft.com/office/powerpoint/2010/main" val="1776768230"/>
       </p:ext>
     </p:extLst>
   </p:cSld>
@@ -3740,7 +4009,7 @@
           <p:cNvPr id="2" name="Titre 1">
             <a:extLst>
               <a:ext uri="{FF2B5EF4-FFF2-40B4-BE49-F238E27FC236}">
-                <a16:creationId xmlns:a16="http://schemas.microsoft.com/office/drawing/2014/main" id="{DFB0DF4F-35E7-324B-B65F-FC5443FE5A58}"/>
+                <a16:creationId xmlns:a16="http://schemas.microsoft.com/office/drawing/2014/main" id="{20C5F73D-F677-7341-8DE8-52EF740466AA}"/>
               </a:ext>
             </a:extLst>
           </p:cNvPr>
@@ -3758,7 +4027,7 @@
           <a:p>
             <a:r>
               <a:rPr lang="fr-FR" dirty="0"/>
-              <a:t>Entretien avec le client </a:t>
+              <a:t>Mise en production </a:t>
             </a:r>
           </a:p>
         </p:txBody>
@@ -3768,7 +4037,7 @@
           <p:cNvPr id="3" name="Espace réservé du contenu 2">
             <a:extLst>
               <a:ext uri="{FF2B5EF4-FFF2-40B4-BE49-F238E27FC236}">
-                <a16:creationId xmlns:a16="http://schemas.microsoft.com/office/drawing/2014/main" id="{15477CC0-CA05-F344-93E7-4BEDFEF7C8BE}"/>
+                <a16:creationId xmlns:a16="http://schemas.microsoft.com/office/drawing/2014/main" id="{E76336E2-2F50-3E45-B944-ABFC072AD902}"/>
               </a:ext>
             </a:extLst>
           </p:cNvPr>
@@ -3784,14 +4053,127 @@
           <a:bodyPr/>
           <a:lstStyle/>
           <a:p>
-            <a:endParaRPr lang="fr-FR"/>
+            <a:r>
+              <a:rPr lang="fr-FR" dirty="0"/>
+              <a:t>Problème avec le fichier .</a:t>
+            </a:r>
+            <a:r>
+              <a:rPr lang="fr-FR" dirty="0" err="1"/>
+              <a:t>htaccess</a:t>
+            </a:r>
+            <a:endParaRPr lang="fr-FR" dirty="0"/>
+          </a:p>
+          <a:p>
+            <a:r>
+              <a:rPr lang="fr-FR" dirty="0"/>
+              <a:t>J’ai mis les chemins comme on nous avait appris en cours d’apache</a:t>
+            </a:r>
+          </a:p>
+          <a:p>
+            <a:r>
+              <a:rPr lang="fr-FR" dirty="0"/>
+              <a:t>En regardant la documentation sur Infomaniak j’ai vu qu’il fallait mettre le chemin absolu vers le fichier où sont stockés les logins </a:t>
+            </a:r>
+          </a:p>
+          <a:p>
+            <a:r>
+              <a:rPr lang="fr-FR" dirty="0"/>
+              <a:t>J’ai dû connaître le chemin absolu de mon dossier avec une fonction </a:t>
+            </a:r>
+            <a:r>
+              <a:rPr lang="fr-FR" dirty="0" err="1"/>
+              <a:t>php</a:t>
+            </a:r>
+            <a:r>
+              <a:rPr lang="fr-FR" dirty="0"/>
+              <a:t> : </a:t>
+            </a:r>
+            <a:r>
+              <a:rPr lang="fr-CH" dirty="0" err="1"/>
+              <a:t>echo</a:t>
+            </a:r>
+            <a:r>
+              <a:rPr lang="fr-CH" dirty="0"/>
+              <a:t> </a:t>
+            </a:r>
+            <a:r>
+              <a:rPr lang="fr-CH" dirty="0" err="1"/>
+              <a:t>realpath</a:t>
+            </a:r>
+            <a:r>
+              <a:rPr lang="fr-CH" dirty="0"/>
+              <a:t>('</a:t>
+            </a:r>
+            <a:r>
+              <a:rPr lang="fr-CH" dirty="0" err="1"/>
+              <a:t>path.php</a:t>
+            </a:r>
+            <a:r>
+              <a:rPr lang="fr-CH" dirty="0"/>
+              <a:t>’);</a:t>
+            </a:r>
+          </a:p>
+          <a:p>
+            <a:r>
+              <a:rPr lang="fr-FR" dirty="0"/>
+              <a:t>Ensuite j’ai dû créer le mot de passe crypté : </a:t>
+            </a:r>
+            <a:r>
+              <a:rPr lang="fr-CH" dirty="0" err="1"/>
+              <a:t>echo</a:t>
+            </a:r>
+            <a:r>
+              <a:rPr lang="fr-CH" dirty="0"/>
+              <a:t> </a:t>
+            </a:r>
+            <a:r>
+              <a:rPr lang="fr-CH" dirty="0" err="1"/>
+              <a:t>crypt</a:t>
+            </a:r>
+            <a:r>
+              <a:rPr lang="fr-CH" dirty="0"/>
+              <a:t>('</a:t>
+            </a:r>
+            <a:r>
+              <a:rPr lang="fr-CH" dirty="0" err="1"/>
+              <a:t>mdp</a:t>
+            </a:r>
+            <a:r>
+              <a:rPr lang="fr-CH" dirty="0"/>
+              <a:t>’);</a:t>
+            </a:r>
+          </a:p>
+          <a:p>
+            <a:r>
+              <a:rPr lang="fr-FR" dirty="0"/>
+              <a:t>Créer le fichier .</a:t>
+            </a:r>
+            <a:r>
+              <a:rPr lang="fr-FR" dirty="0" err="1"/>
+              <a:t>htaccess</a:t>
+            </a:r>
+            <a:r>
+              <a:rPr lang="fr-FR" dirty="0"/>
+              <a:t> avec le chemin absolu sur mon fichier des </a:t>
+            </a:r>
+            <a:r>
+              <a:rPr lang="fr-FR" dirty="0" err="1"/>
+              <a:t>mdp</a:t>
+            </a:r>
+            <a:r>
+              <a:rPr lang="fr-FR" dirty="0"/>
+              <a:t> + login </a:t>
+            </a:r>
+          </a:p>
+          <a:p>
+            <a:endParaRPr lang="fr-FR" dirty="0"/>
           </a:p>
         </p:txBody>
       </p:sp>
     </p:spTree>
     <p:extLst>
       <p:ext uri="{BB962C8B-B14F-4D97-AF65-F5344CB8AC3E}">
-        <p14:creationId xmlns:p14="http://schemas.microsoft.com/office/powerpoint/2010/main" val="2737234727"/>
+        <p14:creationId xmlns:p14="http://schemas.microsoft.com/office/powerpoint/2010/main" val="3329647417"/>
       </p:ext>
     </p:extLst>
   </p:cSld>
@@ -3823,6 +4205,167 @@
           <p:cNvPr id="2" name="Titre 1">
             <a:extLst>
               <a:ext uri="{FF2B5EF4-FFF2-40B4-BE49-F238E27FC236}">
+                <a16:creationId xmlns:a16="http://schemas.microsoft.com/office/drawing/2014/main" id="{DFB0DF4F-35E7-324B-B65F-FC5443FE5A58}"/>
+              </a:ext>
+            </a:extLst>
+          </p:cNvPr>
+          <p:cNvSpPr>
+            <a:spLocks noGrp="1"/>
+          </p:cNvSpPr>
+          <p:nvPr>
+            <p:ph type="title"/>
+          </p:nvPr>
+        </p:nvSpPr>
+        <p:spPr/>
+        <p:txBody>
+          <a:bodyPr/>
+          <a:lstStyle/>
+          <a:p>
+            <a:r>
+              <a:rPr lang="fr-FR" dirty="0"/>
+              <a:t>Entretien avec le client </a:t>
+            </a:r>
+          </a:p>
+        </p:txBody>
+      </p:sp>
+      <p:sp>
+        <p:nvSpPr>
+          <p:cNvPr id="3" name="Espace réservé du contenu 2">
+            <a:extLst>
+              <a:ext uri="{FF2B5EF4-FFF2-40B4-BE49-F238E27FC236}">
+                <a16:creationId xmlns:a16="http://schemas.microsoft.com/office/drawing/2014/main" id="{15477CC0-CA05-F344-93E7-4BEDFEF7C8BE}"/>
+              </a:ext>
+            </a:extLst>
+          </p:cNvPr>
+          <p:cNvSpPr>
+            <a:spLocks noGrp="1"/>
+          </p:cNvSpPr>
+          <p:nvPr>
+            <p:ph idx="1"/>
+          </p:nvPr>
+        </p:nvSpPr>
+        <p:spPr/>
+        <p:txBody>
+          <a:bodyPr>
+            <a:normAutofit fontScale="92500" lnSpcReduction="10000"/>
+          </a:bodyPr>
+          <a:lstStyle/>
+          <a:p>
+            <a:r>
+              <a:rPr lang="fr-FR" dirty="0"/>
+              <a:t>Ajout du compte du M. Louis Pache dans le fichier .</a:t>
+            </a:r>
+            <a:r>
+              <a:rPr lang="fr-FR" dirty="0" err="1"/>
+              <a:t>htpassword</a:t>
+            </a:r>
+            <a:endParaRPr lang="fr-FR" dirty="0"/>
+          </a:p>
+          <a:p>
+            <a:pPr lvl="1"/>
+            <a:r>
+              <a:rPr lang="fr-FR" dirty="0"/>
+              <a:t>Il pourra se connecter dessus avec sur le site </a:t>
+            </a:r>
+          </a:p>
+          <a:p>
+            <a:r>
+              <a:rPr lang="fr-FR" dirty="0"/>
+              <a:t>Installation de </a:t>
+            </a:r>
+            <a:r>
+              <a:rPr lang="fr-FR" dirty="0" err="1"/>
+              <a:t>Ionic</a:t>
+            </a:r>
+            <a:r>
+              <a:rPr lang="fr-FR" dirty="0"/>
+              <a:t> </a:t>
+            </a:r>
+            <a:r>
+              <a:rPr lang="fr-FR" dirty="0" err="1"/>
+              <a:t>View</a:t>
+            </a:r>
+            <a:r>
+              <a:rPr lang="fr-FR" dirty="0"/>
+              <a:t> pour l’application mobile </a:t>
+            </a:r>
+          </a:p>
+          <a:p>
+            <a:pPr lvl="1"/>
+            <a:r>
+              <a:rPr lang="fr-FR" dirty="0"/>
+              <a:t>Entrer le code de l’application pour qu’il l’ait dans la liste </a:t>
+            </a:r>
+          </a:p>
+          <a:p>
+            <a:r>
+              <a:rPr lang="fr-FR" dirty="0"/>
+              <a:t>Explication du fonctionnement de l’application</a:t>
+            </a:r>
+          </a:p>
+          <a:p>
+            <a:r>
+              <a:rPr lang="fr-FR" dirty="0"/>
+              <a:t>Explication du fonctionnement du site </a:t>
+            </a:r>
+          </a:p>
+          <a:p>
+            <a:r>
+              <a:rPr lang="fr-FR" dirty="0"/>
+              <a:t>Il fera des tests avec la base de données actuels, quand il aura suffisamment pris la main sur le site et l’application je lui remettrai une BD vierge</a:t>
+            </a:r>
+          </a:p>
+          <a:p>
+            <a:r>
+              <a:rPr lang="fr-FR" dirty="0"/>
+              <a:t>Après les tests qu’il aura fait il me dira les bugs qu’il trouvera et je ferai ensuite les changements </a:t>
+            </a:r>
+            <a:r>
+              <a:rPr lang="fr-FR" dirty="0" err="1"/>
+              <a:t>adécuats</a:t>
+            </a:r>
+            <a:r>
+              <a:rPr lang="fr-FR" dirty="0"/>
+              <a:t> </a:t>
+            </a:r>
+          </a:p>
+        </p:txBody>
+      </p:sp>
+    </p:spTree>
+    <p:extLst>
+      <p:ext uri="{BB962C8B-B14F-4D97-AF65-F5344CB8AC3E}">
+        <p14:creationId xmlns:p14="http://schemas.microsoft.com/office/powerpoint/2010/main" val="2737234727"/>
+      </p:ext>
+    </p:extLst>
+  </p:cSld>
+  <p:clrMapOvr>
+    <a:masterClrMapping/>
+  </p:clrMapOvr>
+</p:sld>
+</file>
+
+<file path=ppt/slides/slide7.xml><?xml version="1.0" encoding="utf-8"?>
+<p:sld xmlns:a="http://schemas.openxmlformats.org/drawingml/2006/main" xmlns:r="http://schemas.openxmlformats.org/officeDocument/2006/relationships" xmlns:p="http://schemas.openxmlformats.org/presentationml/2006/main">
+  <p:cSld>
+    <p:spTree>
+      <p:nvGrpSpPr>
+        <p:cNvPr id="1" name=""/>
+        <p:cNvGrpSpPr/>
+        <p:nvPr/>
+      </p:nvGrpSpPr>
+      <p:grpSpPr>
+        <a:xfrm>
+          <a:off x="0" y="0"/>
+          <a:ext cx="0" cy="0"/>
+          <a:chOff x="0" y="0"/>
+          <a:chExt cx="0" cy="0"/>
+        </a:xfrm>
+      </p:grpSpPr>
+      <p:sp>
+        <p:nvSpPr>
+          <p:cNvPr id="2" name="Titre 1">
+            <a:extLst>
+              <a:ext uri="{FF2B5EF4-FFF2-40B4-BE49-F238E27FC236}">
                 <a16:creationId xmlns:a16="http://schemas.microsoft.com/office/drawing/2014/main" id="{DEDF04B0-5015-C243-8D07-5B2CAB4B33AA}"/>
               </a:ext>
             </a:extLst>
@@ -3893,7 +4436,7 @@
 </p:sld>
 </file>
 
-<file path=ppt/slides/slide7.xml><?xml version="1.0" encoding="utf-8"?>
+<file path=ppt/slides/slide8.xml><?xml version="1.0" encoding="utf-8"?>
 <p:sld xmlns:a="http://schemas.openxmlformats.org/drawingml/2006/main" xmlns:r="http://schemas.openxmlformats.org/officeDocument/2006/relationships" xmlns:p="http://schemas.openxmlformats.org/presentationml/2006/main">
   <p:cSld>
     <p:spTree>
@@ -4109,7 +4652,7 @@
 </p:sld>
 </file>
 
-<file path=ppt/slides/slide8.xml><?xml version="1.0" encoding="utf-8"?>
+<file path=ppt/slides/slide9.xml><?xml version="1.0" encoding="utf-8"?>
 <p:sld xmlns:a="http://schemas.openxmlformats.org/drawingml/2006/main" xmlns:r="http://schemas.openxmlformats.org/officeDocument/2006/relationships" xmlns:p="http://schemas.openxmlformats.org/presentationml/2006/main">
   <p:cSld>
     <p:spTree>
@@ -4286,90 +4829,6 @@
     <p:extLst>
       <p:ext uri="{BB962C8B-B14F-4D97-AF65-F5344CB8AC3E}">
         <p14:creationId xmlns:p14="http://schemas.microsoft.com/office/powerpoint/2010/main" val="4091710115"/>
-      </p:ext>
-    </p:extLst>
-  </p:cSld>
-  <p:clrMapOvr>
-    <a:masterClrMapping/>
-  </p:clrMapOvr>
-</p:sld>
-</file>
-
-<file path=ppt/slides/slide9.xml><?xml version="1.0" encoding="utf-8"?>
-<p:sld xmlns:a="http://schemas.openxmlformats.org/drawingml/2006/main" xmlns:r="http://schemas.openxmlformats.org/officeDocument/2006/relationships" xmlns:p="http://schemas.openxmlformats.org/presentationml/2006/main">
-  <p:cSld>
-    <p:spTree>
-      <p:nvGrpSpPr>
-        <p:cNvPr id="1" name=""/>
-        <p:cNvGrpSpPr/>
-        <p:nvPr/>
-      </p:nvGrpSpPr>
-      <p:grpSpPr>
-        <a:xfrm>
-          <a:off x="0" y="0"/>
-          <a:ext cx="0" cy="0"/>
-          <a:chOff x="0" y="0"/>
-          <a:chExt cx="0" cy="0"/>
-        </a:xfrm>
-      </p:grpSpPr>
-      <p:sp>
-        <p:nvSpPr>
-          <p:cNvPr id="2" name="Titre 1">
-            <a:extLst>
-              <a:ext uri="{FF2B5EF4-FFF2-40B4-BE49-F238E27FC236}">
-                <a16:creationId xmlns:a16="http://schemas.microsoft.com/office/drawing/2014/main" id="{9B8AD4FD-586B-BE4F-998B-B7E4791A1369}"/>
-              </a:ext>
-            </a:extLst>
-          </p:cNvPr>
-          <p:cNvSpPr>
-            <a:spLocks noGrp="1"/>
-          </p:cNvSpPr>
-          <p:nvPr>
-            <p:ph type="title"/>
-          </p:nvPr>
-        </p:nvSpPr>
-        <p:spPr/>
-        <p:txBody>
-          <a:bodyPr/>
-          <a:lstStyle/>
-          <a:p>
-            <a:endParaRPr lang="fr-FR"/>
-          </a:p>
-        </p:txBody>
-      </p:sp>
-      <p:pic>
-        <p:nvPicPr>
-          <p:cNvPr id="5" name="Espace réservé du contenu 4">
-            <a:extLst>
-              <a:ext uri="{FF2B5EF4-FFF2-40B4-BE49-F238E27FC236}">
-                <a16:creationId xmlns:a16="http://schemas.microsoft.com/office/drawing/2014/main" id="{A15FD77F-FB94-9647-B51F-9460DAB4FAFA}"/>
-              </a:ext>
-            </a:extLst>
-          </p:cNvPr>
-          <p:cNvPicPr>
-            <a:picLocks noGrp="1" noChangeAspect="1"/>
-          </p:cNvPicPr>
-          <p:nvPr>
-            <p:ph idx="1"/>
-          </p:nvPr>
-        </p:nvPicPr>
-        <p:blipFill>
-          <a:blip r:embed="rId2"/>
-          <a:stretch>
-            <a:fillRect/>
-          </a:stretch>
-        </p:blipFill>
-        <p:spPr>
-          <a:xfrm>
-            <a:off x="4355561" y="291233"/>
-            <a:ext cx="3480877" cy="6191321"/>
-          </a:xfrm>
-        </p:spPr>
-      </p:pic>
-    </p:spTree>
-    <p:extLst>
-      <p:ext uri="{BB962C8B-B14F-4D97-AF65-F5344CB8AC3E}">
-        <p14:creationId xmlns:p14="http://schemas.microsoft.com/office/powerpoint/2010/main" val="2552274360"/>
       </p:ext>
     </p:extLst>
   </p:cSld>
